--- a/virtualzation-exam/SANGFOR_aDesk_VMP4.9_2017年度渠道初级认证培训03_安装部署.pptx
+++ b/virtualzation-exam/SANGFOR_aDesk_VMP4.9_2017年度渠道初级认证培训03_安装部署.pptx
@@ -222,10 +222,9 @@
           <a:lstStyle/>
           <a:p>
             <a:r>
-              <a:rPr lang="zh-CN" altLang="en-US" smtClean="0"/>
+              <a:rPr lang="zh-CN" altLang="en-US"/>
               <a:t>单击此处编辑母版标题样式</a:t>
             </a:r>
-            <a:endParaRPr lang="zh-CN" altLang="en-US"/>
           </a:p>
         </p:txBody>
       </p:sp>
@@ -341,10 +340,9 @@
           </a:lstStyle>
           <a:p>
             <a:r>
-              <a:rPr lang="zh-CN" altLang="en-US" smtClean="0"/>
+              <a:rPr lang="zh-CN" altLang="en-US"/>
               <a:t>单击此处编辑母版副标题样式</a:t>
             </a:r>
-            <a:endParaRPr lang="zh-CN" altLang="en-US"/>
           </a:p>
         </p:txBody>
       </p:sp>
@@ -365,7 +363,7 @@
           <a:p>
             <a:fld id="{FD3AD9C8-963F-468C-998E-FE1467747F64}" type="datetimeFigureOut">
               <a:rPr lang="zh-CN" altLang="en-US" smtClean="0"/>
-              <a:t>2017/3/24</a:t>
+              <a:t>2018/10/23</a:t>
             </a:fld>
             <a:endParaRPr lang="zh-CN" altLang="en-US"/>
           </a:p>
@@ -459,10 +457,9 @@
           <a:lstStyle/>
           <a:p>
             <a:r>
-              <a:rPr lang="zh-CN" altLang="en-US" smtClean="0"/>
+              <a:rPr lang="zh-CN" altLang="en-US"/>
               <a:t>单击此处编辑母版标题样式</a:t>
             </a:r>
-            <a:endParaRPr lang="zh-CN" altLang="en-US"/>
           </a:p>
         </p:txBody>
       </p:sp>
@@ -483,38 +480,37 @@
           <a:p>
             <a:pPr lvl="0"/>
             <a:r>
-              <a:rPr lang="zh-CN" altLang="en-US" smtClean="0"/>
+              <a:rPr lang="zh-CN" altLang="en-US"/>
               <a:t>单击此处编辑母版文本样式</a:t>
             </a:r>
           </a:p>
           <a:p>
             <a:pPr lvl="1"/>
             <a:r>
-              <a:rPr lang="zh-CN" altLang="en-US" smtClean="0"/>
+              <a:rPr lang="zh-CN" altLang="en-US"/>
               <a:t>第二级</a:t>
             </a:r>
           </a:p>
           <a:p>
             <a:pPr lvl="2"/>
             <a:r>
-              <a:rPr lang="zh-CN" altLang="en-US" smtClean="0"/>
+              <a:rPr lang="zh-CN" altLang="en-US"/>
               <a:t>第三级</a:t>
             </a:r>
           </a:p>
           <a:p>
             <a:pPr lvl="3"/>
             <a:r>
-              <a:rPr lang="zh-CN" altLang="en-US" smtClean="0"/>
+              <a:rPr lang="zh-CN" altLang="en-US"/>
               <a:t>第四级</a:t>
             </a:r>
           </a:p>
           <a:p>
             <a:pPr lvl="4"/>
             <a:r>
-              <a:rPr lang="zh-CN" altLang="en-US" smtClean="0"/>
+              <a:rPr lang="zh-CN" altLang="en-US"/>
               <a:t>第五级</a:t>
             </a:r>
-            <a:endParaRPr lang="zh-CN" altLang="en-US"/>
           </a:p>
         </p:txBody>
       </p:sp>
@@ -535,7 +531,7 @@
           <a:p>
             <a:fld id="{FD3AD9C8-963F-468C-998E-FE1467747F64}" type="datetimeFigureOut">
               <a:rPr lang="zh-CN" altLang="en-US" smtClean="0"/>
-              <a:t>2017/3/24</a:t>
+              <a:t>2018/10/23</a:t>
             </a:fld>
             <a:endParaRPr lang="zh-CN" altLang="en-US"/>
           </a:p>
@@ -634,10 +630,9 @@
           <a:lstStyle/>
           <a:p>
             <a:r>
-              <a:rPr lang="zh-CN" altLang="en-US" smtClean="0"/>
+              <a:rPr lang="zh-CN" altLang="en-US"/>
               <a:t>单击此处编辑母版标题样式</a:t>
             </a:r>
-            <a:endParaRPr lang="zh-CN" altLang="en-US"/>
           </a:p>
         </p:txBody>
       </p:sp>
@@ -663,38 +658,37 @@
           <a:p>
             <a:pPr lvl="0"/>
             <a:r>
-              <a:rPr lang="zh-CN" altLang="en-US" smtClean="0"/>
+              <a:rPr lang="zh-CN" altLang="en-US"/>
               <a:t>单击此处编辑母版文本样式</a:t>
             </a:r>
           </a:p>
           <a:p>
             <a:pPr lvl="1"/>
             <a:r>
-              <a:rPr lang="zh-CN" altLang="en-US" smtClean="0"/>
+              <a:rPr lang="zh-CN" altLang="en-US"/>
               <a:t>第二级</a:t>
             </a:r>
           </a:p>
           <a:p>
             <a:pPr lvl="2"/>
             <a:r>
-              <a:rPr lang="zh-CN" altLang="en-US" smtClean="0"/>
+              <a:rPr lang="zh-CN" altLang="en-US"/>
               <a:t>第三级</a:t>
             </a:r>
           </a:p>
           <a:p>
             <a:pPr lvl="3"/>
             <a:r>
-              <a:rPr lang="zh-CN" altLang="en-US" smtClean="0"/>
+              <a:rPr lang="zh-CN" altLang="en-US"/>
               <a:t>第四级</a:t>
             </a:r>
           </a:p>
           <a:p>
             <a:pPr lvl="4"/>
             <a:r>
-              <a:rPr lang="zh-CN" altLang="en-US" smtClean="0"/>
+              <a:rPr lang="zh-CN" altLang="en-US"/>
               <a:t>第五级</a:t>
             </a:r>
-            <a:endParaRPr lang="zh-CN" altLang="en-US"/>
           </a:p>
         </p:txBody>
       </p:sp>
@@ -715,7 +709,7 @@
           <a:p>
             <a:fld id="{FD3AD9C8-963F-468C-998E-FE1467747F64}" type="datetimeFigureOut">
               <a:rPr lang="zh-CN" altLang="en-US" smtClean="0"/>
-              <a:t>2017/3/24</a:t>
+              <a:t>2018/10/23</a:t>
             </a:fld>
             <a:endParaRPr lang="zh-CN" altLang="en-US"/>
           </a:p>
@@ -809,10 +803,9 @@
           <a:lstStyle/>
           <a:p>
             <a:r>
-              <a:rPr lang="zh-CN" altLang="en-US" smtClean="0"/>
+              <a:rPr lang="zh-CN" altLang="en-US"/>
               <a:t>单击此处编辑母版标题样式</a:t>
             </a:r>
-            <a:endParaRPr lang="zh-CN" altLang="en-US"/>
           </a:p>
         </p:txBody>
       </p:sp>
@@ -833,38 +826,37 @@
           <a:p>
             <a:pPr lvl="0"/>
             <a:r>
-              <a:rPr lang="zh-CN" altLang="en-US" smtClean="0"/>
+              <a:rPr lang="zh-CN" altLang="en-US"/>
               <a:t>单击此处编辑母版文本样式</a:t>
             </a:r>
           </a:p>
           <a:p>
             <a:pPr lvl="1"/>
             <a:r>
-              <a:rPr lang="zh-CN" altLang="en-US" smtClean="0"/>
+              <a:rPr lang="zh-CN" altLang="en-US"/>
               <a:t>第二级</a:t>
             </a:r>
           </a:p>
           <a:p>
             <a:pPr lvl="2"/>
             <a:r>
-              <a:rPr lang="zh-CN" altLang="en-US" smtClean="0"/>
+              <a:rPr lang="zh-CN" altLang="en-US"/>
               <a:t>第三级</a:t>
             </a:r>
           </a:p>
           <a:p>
             <a:pPr lvl="3"/>
             <a:r>
-              <a:rPr lang="zh-CN" altLang="en-US" smtClean="0"/>
+              <a:rPr lang="zh-CN" altLang="en-US"/>
               <a:t>第四级</a:t>
             </a:r>
           </a:p>
           <a:p>
             <a:pPr lvl="4"/>
             <a:r>
-              <a:rPr lang="zh-CN" altLang="en-US" smtClean="0"/>
+              <a:rPr lang="zh-CN" altLang="en-US"/>
               <a:t>第五级</a:t>
             </a:r>
-            <a:endParaRPr lang="zh-CN" altLang="en-US"/>
           </a:p>
         </p:txBody>
       </p:sp>
@@ -885,7 +877,7 @@
           <a:p>
             <a:fld id="{FD3AD9C8-963F-468C-998E-FE1467747F64}" type="datetimeFigureOut">
               <a:rPr lang="zh-CN" altLang="en-US" smtClean="0"/>
-              <a:t>2017/3/24</a:t>
+              <a:t>2018/10/23</a:t>
             </a:fld>
             <a:endParaRPr lang="zh-CN" altLang="en-US"/>
           </a:p>
@@ -988,10 +980,9 @@
           </a:lstStyle>
           <a:p>
             <a:r>
-              <a:rPr lang="zh-CN" altLang="en-US" smtClean="0"/>
+              <a:rPr lang="zh-CN" altLang="en-US"/>
               <a:t>单击此处编辑母版标题样式</a:t>
             </a:r>
-            <a:endParaRPr lang="zh-CN" altLang="en-US"/>
           </a:p>
         </p:txBody>
       </p:sp>
@@ -1108,7 +1099,7 @@
           <a:p>
             <a:pPr lvl="0"/>
             <a:r>
-              <a:rPr lang="zh-CN" altLang="en-US" smtClean="0"/>
+              <a:rPr lang="zh-CN" altLang="en-US"/>
               <a:t>单击此处编辑母版文本样式</a:t>
             </a:r>
           </a:p>
@@ -1131,7 +1122,7 @@
           <a:p>
             <a:fld id="{FD3AD9C8-963F-468C-998E-FE1467747F64}" type="datetimeFigureOut">
               <a:rPr lang="zh-CN" altLang="en-US" smtClean="0"/>
-              <a:t>2017/3/24</a:t>
+              <a:t>2018/10/23</a:t>
             </a:fld>
             <a:endParaRPr lang="zh-CN" altLang="en-US"/>
           </a:p>
@@ -1225,10 +1216,9 @@
           <a:lstStyle/>
           <a:p>
             <a:r>
-              <a:rPr lang="zh-CN" altLang="en-US" smtClean="0"/>
+              <a:rPr lang="zh-CN" altLang="en-US"/>
               <a:t>单击此处编辑母版标题样式</a:t>
             </a:r>
-            <a:endParaRPr lang="zh-CN" altLang="en-US"/>
           </a:p>
         </p:txBody>
       </p:sp>
@@ -1282,38 +1272,37 @@
           <a:p>
             <a:pPr lvl="0"/>
             <a:r>
-              <a:rPr lang="zh-CN" altLang="en-US" smtClean="0"/>
+              <a:rPr lang="zh-CN" altLang="en-US"/>
               <a:t>单击此处编辑母版文本样式</a:t>
             </a:r>
           </a:p>
           <a:p>
             <a:pPr lvl="1"/>
             <a:r>
-              <a:rPr lang="zh-CN" altLang="en-US" smtClean="0"/>
+              <a:rPr lang="zh-CN" altLang="en-US"/>
               <a:t>第二级</a:t>
             </a:r>
           </a:p>
           <a:p>
             <a:pPr lvl="2"/>
             <a:r>
-              <a:rPr lang="zh-CN" altLang="en-US" smtClean="0"/>
+              <a:rPr lang="zh-CN" altLang="en-US"/>
               <a:t>第三级</a:t>
             </a:r>
           </a:p>
           <a:p>
             <a:pPr lvl="3"/>
             <a:r>
-              <a:rPr lang="zh-CN" altLang="en-US" smtClean="0"/>
+              <a:rPr lang="zh-CN" altLang="en-US"/>
               <a:t>第四级</a:t>
             </a:r>
           </a:p>
           <a:p>
             <a:pPr lvl="4"/>
             <a:r>
-              <a:rPr lang="zh-CN" altLang="en-US" smtClean="0"/>
+              <a:rPr lang="zh-CN" altLang="en-US"/>
               <a:t>第五级</a:t>
             </a:r>
-            <a:endParaRPr lang="zh-CN" altLang="en-US"/>
           </a:p>
         </p:txBody>
       </p:sp>
@@ -1367,38 +1356,37 @@
           <a:p>
             <a:pPr lvl="0"/>
             <a:r>
-              <a:rPr lang="zh-CN" altLang="en-US" smtClean="0"/>
+              <a:rPr lang="zh-CN" altLang="en-US"/>
               <a:t>单击此处编辑母版文本样式</a:t>
             </a:r>
           </a:p>
           <a:p>
             <a:pPr lvl="1"/>
             <a:r>
-              <a:rPr lang="zh-CN" altLang="en-US" smtClean="0"/>
+              <a:rPr lang="zh-CN" altLang="en-US"/>
               <a:t>第二级</a:t>
             </a:r>
           </a:p>
           <a:p>
             <a:pPr lvl="2"/>
             <a:r>
-              <a:rPr lang="zh-CN" altLang="en-US" smtClean="0"/>
+              <a:rPr lang="zh-CN" altLang="en-US"/>
               <a:t>第三级</a:t>
             </a:r>
           </a:p>
           <a:p>
             <a:pPr lvl="3"/>
             <a:r>
-              <a:rPr lang="zh-CN" altLang="en-US" smtClean="0"/>
+              <a:rPr lang="zh-CN" altLang="en-US"/>
               <a:t>第四级</a:t>
             </a:r>
           </a:p>
           <a:p>
             <a:pPr lvl="4"/>
             <a:r>
-              <a:rPr lang="zh-CN" altLang="en-US" smtClean="0"/>
+              <a:rPr lang="zh-CN" altLang="en-US"/>
               <a:t>第五级</a:t>
             </a:r>
-            <a:endParaRPr lang="zh-CN" altLang="en-US"/>
           </a:p>
         </p:txBody>
       </p:sp>
@@ -1419,7 +1407,7 @@
           <a:p>
             <a:fld id="{FD3AD9C8-963F-468C-998E-FE1467747F64}" type="datetimeFigureOut">
               <a:rPr lang="zh-CN" altLang="en-US" smtClean="0"/>
-              <a:t>2017/3/24</a:t>
+              <a:t>2018/10/23</a:t>
             </a:fld>
             <a:endParaRPr lang="zh-CN" altLang="en-US"/>
           </a:p>
@@ -1517,10 +1505,9 @@
           </a:lstStyle>
           <a:p>
             <a:r>
-              <a:rPr lang="zh-CN" altLang="en-US" smtClean="0"/>
+              <a:rPr lang="zh-CN" altLang="en-US"/>
               <a:t>单击此处编辑母版标题样式</a:t>
             </a:r>
-            <a:endParaRPr lang="zh-CN" altLang="en-US"/>
           </a:p>
         </p:txBody>
       </p:sp>
@@ -1583,7 +1570,7 @@
           <a:p>
             <a:pPr lvl="0"/>
             <a:r>
-              <a:rPr lang="zh-CN" altLang="en-US" smtClean="0"/>
+              <a:rPr lang="zh-CN" altLang="en-US"/>
               <a:t>单击此处编辑母版文本样式</a:t>
             </a:r>
           </a:p>
@@ -1639,38 +1626,37 @@
           <a:p>
             <a:pPr lvl="0"/>
             <a:r>
-              <a:rPr lang="zh-CN" altLang="en-US" smtClean="0"/>
+              <a:rPr lang="zh-CN" altLang="en-US"/>
               <a:t>单击此处编辑母版文本样式</a:t>
             </a:r>
           </a:p>
           <a:p>
             <a:pPr lvl="1"/>
             <a:r>
-              <a:rPr lang="zh-CN" altLang="en-US" smtClean="0"/>
+              <a:rPr lang="zh-CN" altLang="en-US"/>
               <a:t>第二级</a:t>
             </a:r>
           </a:p>
           <a:p>
             <a:pPr lvl="2"/>
             <a:r>
-              <a:rPr lang="zh-CN" altLang="en-US" smtClean="0"/>
+              <a:rPr lang="zh-CN" altLang="en-US"/>
               <a:t>第三级</a:t>
             </a:r>
           </a:p>
           <a:p>
             <a:pPr lvl="3"/>
             <a:r>
-              <a:rPr lang="zh-CN" altLang="en-US" smtClean="0"/>
+              <a:rPr lang="zh-CN" altLang="en-US"/>
               <a:t>第四级</a:t>
             </a:r>
           </a:p>
           <a:p>
             <a:pPr lvl="4"/>
             <a:r>
-              <a:rPr lang="zh-CN" altLang="en-US" smtClean="0"/>
+              <a:rPr lang="zh-CN" altLang="en-US"/>
               <a:t>第五级</a:t>
             </a:r>
-            <a:endParaRPr lang="zh-CN" altLang="en-US"/>
           </a:p>
         </p:txBody>
       </p:sp>
@@ -1733,7 +1719,7 @@
           <a:p>
             <a:pPr lvl="0"/>
             <a:r>
-              <a:rPr lang="zh-CN" altLang="en-US" smtClean="0"/>
+              <a:rPr lang="zh-CN" altLang="en-US"/>
               <a:t>单击此处编辑母版文本样式</a:t>
             </a:r>
           </a:p>
@@ -1789,38 +1775,37 @@
           <a:p>
             <a:pPr lvl="0"/>
             <a:r>
-              <a:rPr lang="zh-CN" altLang="en-US" smtClean="0"/>
+              <a:rPr lang="zh-CN" altLang="en-US"/>
               <a:t>单击此处编辑母版文本样式</a:t>
             </a:r>
           </a:p>
           <a:p>
             <a:pPr lvl="1"/>
             <a:r>
-              <a:rPr lang="zh-CN" altLang="en-US" smtClean="0"/>
+              <a:rPr lang="zh-CN" altLang="en-US"/>
               <a:t>第二级</a:t>
             </a:r>
           </a:p>
           <a:p>
             <a:pPr lvl="2"/>
             <a:r>
-              <a:rPr lang="zh-CN" altLang="en-US" smtClean="0"/>
+              <a:rPr lang="zh-CN" altLang="en-US"/>
               <a:t>第三级</a:t>
             </a:r>
           </a:p>
           <a:p>
             <a:pPr lvl="3"/>
             <a:r>
-              <a:rPr lang="zh-CN" altLang="en-US" smtClean="0"/>
+              <a:rPr lang="zh-CN" altLang="en-US"/>
               <a:t>第四级</a:t>
             </a:r>
           </a:p>
           <a:p>
             <a:pPr lvl="4"/>
             <a:r>
-              <a:rPr lang="zh-CN" altLang="en-US" smtClean="0"/>
+              <a:rPr lang="zh-CN" altLang="en-US"/>
               <a:t>第五级</a:t>
             </a:r>
-            <a:endParaRPr lang="zh-CN" altLang="en-US"/>
           </a:p>
         </p:txBody>
       </p:sp>
@@ -1841,7 +1826,7 @@
           <a:p>
             <a:fld id="{FD3AD9C8-963F-468C-998E-FE1467747F64}" type="datetimeFigureOut">
               <a:rPr lang="zh-CN" altLang="en-US" smtClean="0"/>
-              <a:t>2017/3/24</a:t>
+              <a:t>2018/10/23</a:t>
             </a:fld>
             <a:endParaRPr lang="zh-CN" altLang="en-US"/>
           </a:p>
@@ -1935,10 +1920,9 @@
           <a:lstStyle/>
           <a:p>
             <a:r>
-              <a:rPr lang="zh-CN" altLang="en-US" smtClean="0"/>
+              <a:rPr lang="zh-CN" altLang="en-US"/>
               <a:t>单击此处编辑母版标题样式</a:t>
             </a:r>
-            <a:endParaRPr lang="zh-CN" altLang="en-US"/>
           </a:p>
         </p:txBody>
       </p:sp>
@@ -1959,7 +1943,7 @@
           <a:p>
             <a:fld id="{FD3AD9C8-963F-468C-998E-FE1467747F64}" type="datetimeFigureOut">
               <a:rPr lang="zh-CN" altLang="en-US" smtClean="0"/>
-              <a:t>2017/3/24</a:t>
+              <a:t>2018/10/23</a:t>
             </a:fld>
             <a:endParaRPr lang="zh-CN" altLang="en-US"/>
           </a:p>
@@ -2054,7 +2038,7 @@
           <a:p>
             <a:fld id="{FD3AD9C8-963F-468C-998E-FE1467747F64}" type="datetimeFigureOut">
               <a:rPr lang="zh-CN" altLang="en-US" smtClean="0"/>
-              <a:t>2017/3/24</a:t>
+              <a:t>2018/10/23</a:t>
             </a:fld>
             <a:endParaRPr lang="zh-CN" altLang="en-US"/>
           </a:p>
@@ -2157,10 +2141,9 @@
           </a:lstStyle>
           <a:p>
             <a:r>
-              <a:rPr lang="zh-CN" altLang="en-US" smtClean="0"/>
+              <a:rPr lang="zh-CN" altLang="en-US"/>
               <a:t>单击此处编辑母版标题样式</a:t>
             </a:r>
-            <a:endParaRPr lang="zh-CN" altLang="en-US"/>
           </a:p>
         </p:txBody>
       </p:sp>
@@ -2214,38 +2197,37 @@
           <a:p>
             <a:pPr lvl="0"/>
             <a:r>
-              <a:rPr lang="zh-CN" altLang="en-US" smtClean="0"/>
+              <a:rPr lang="zh-CN" altLang="en-US"/>
               <a:t>单击此处编辑母版文本样式</a:t>
             </a:r>
           </a:p>
           <a:p>
             <a:pPr lvl="1"/>
             <a:r>
-              <a:rPr lang="zh-CN" altLang="en-US" smtClean="0"/>
+              <a:rPr lang="zh-CN" altLang="en-US"/>
               <a:t>第二级</a:t>
             </a:r>
           </a:p>
           <a:p>
             <a:pPr lvl="2"/>
             <a:r>
-              <a:rPr lang="zh-CN" altLang="en-US" smtClean="0"/>
+              <a:rPr lang="zh-CN" altLang="en-US"/>
               <a:t>第三级</a:t>
             </a:r>
           </a:p>
           <a:p>
             <a:pPr lvl="3"/>
             <a:r>
-              <a:rPr lang="zh-CN" altLang="en-US" smtClean="0"/>
+              <a:rPr lang="zh-CN" altLang="en-US"/>
               <a:t>第四级</a:t>
             </a:r>
           </a:p>
           <a:p>
             <a:pPr lvl="4"/>
             <a:r>
-              <a:rPr lang="zh-CN" altLang="en-US" smtClean="0"/>
+              <a:rPr lang="zh-CN" altLang="en-US"/>
               <a:t>第五级</a:t>
             </a:r>
-            <a:endParaRPr lang="zh-CN" altLang="en-US"/>
           </a:p>
         </p:txBody>
       </p:sp>
@@ -2308,7 +2290,7 @@
           <a:p>
             <a:pPr lvl="0"/>
             <a:r>
-              <a:rPr lang="zh-CN" altLang="en-US" smtClean="0"/>
+              <a:rPr lang="zh-CN" altLang="en-US"/>
               <a:t>单击此处编辑母版文本样式</a:t>
             </a:r>
           </a:p>
@@ -2331,7 +2313,7 @@
           <a:p>
             <a:fld id="{FD3AD9C8-963F-468C-998E-FE1467747F64}" type="datetimeFigureOut">
               <a:rPr lang="zh-CN" altLang="en-US" smtClean="0"/>
-              <a:t>2017/3/24</a:t>
+              <a:t>2018/10/23</a:t>
             </a:fld>
             <a:endParaRPr lang="zh-CN" altLang="en-US"/>
           </a:p>
@@ -2434,10 +2416,9 @@
           </a:lstStyle>
           <a:p>
             <a:r>
-              <a:rPr lang="zh-CN" altLang="en-US" smtClean="0"/>
+              <a:rPr lang="zh-CN" altLang="en-US"/>
               <a:t>单击此处编辑母版标题样式</a:t>
             </a:r>
-            <a:endParaRPr lang="zh-CN" altLang="en-US"/>
           </a:p>
         </p:txBody>
       </p:sp>
@@ -2561,7 +2542,7 @@
           <a:p>
             <a:pPr lvl="0"/>
             <a:r>
-              <a:rPr lang="zh-CN" altLang="en-US" smtClean="0"/>
+              <a:rPr lang="zh-CN" altLang="en-US"/>
               <a:t>单击此处编辑母版文本样式</a:t>
             </a:r>
           </a:p>
@@ -2584,7 +2565,7 @@
           <a:p>
             <a:fld id="{FD3AD9C8-963F-468C-998E-FE1467747F64}" type="datetimeFigureOut">
               <a:rPr lang="zh-CN" altLang="en-US" smtClean="0"/>
-              <a:t>2017/3/24</a:t>
+              <a:t>2018/10/23</a:t>
             </a:fld>
             <a:endParaRPr lang="zh-CN" altLang="en-US"/>
           </a:p>
@@ -2702,10 +2683,9 @@
           <a:lstStyle/>
           <a:p>
             <a:r>
-              <a:rPr lang="zh-CN" altLang="en-US" smtClean="0"/>
+              <a:rPr lang="zh-CN" altLang="en-US"/>
               <a:t>单击此处编辑母版标题样式</a:t>
             </a:r>
-            <a:endParaRPr lang="zh-CN" altLang="en-US"/>
           </a:p>
         </p:txBody>
       </p:sp>
@@ -2736,38 +2716,37 @@
           <a:p>
             <a:pPr lvl="0"/>
             <a:r>
-              <a:rPr lang="zh-CN" altLang="en-US" smtClean="0"/>
+              <a:rPr lang="zh-CN" altLang="en-US"/>
               <a:t>单击此处编辑母版文本样式</a:t>
             </a:r>
           </a:p>
           <a:p>
             <a:pPr lvl="1"/>
             <a:r>
-              <a:rPr lang="zh-CN" altLang="en-US" smtClean="0"/>
+              <a:rPr lang="zh-CN" altLang="en-US"/>
               <a:t>第二级</a:t>
             </a:r>
           </a:p>
           <a:p>
             <a:pPr lvl="2"/>
             <a:r>
-              <a:rPr lang="zh-CN" altLang="en-US" smtClean="0"/>
+              <a:rPr lang="zh-CN" altLang="en-US"/>
               <a:t>第三级</a:t>
             </a:r>
           </a:p>
           <a:p>
             <a:pPr lvl="3"/>
             <a:r>
-              <a:rPr lang="zh-CN" altLang="en-US" smtClean="0"/>
+              <a:rPr lang="zh-CN" altLang="en-US"/>
               <a:t>第四级</a:t>
             </a:r>
           </a:p>
           <a:p>
             <a:pPr lvl="4"/>
             <a:r>
-              <a:rPr lang="zh-CN" altLang="en-US" smtClean="0"/>
+              <a:rPr lang="zh-CN" altLang="en-US"/>
               <a:t>第五级</a:t>
             </a:r>
-            <a:endParaRPr lang="zh-CN" altLang="en-US"/>
           </a:p>
         </p:txBody>
       </p:sp>
@@ -2806,7 +2785,7 @@
           <a:p>
             <a:fld id="{FD3AD9C8-963F-468C-998E-FE1467747F64}" type="datetimeFigureOut">
               <a:rPr lang="zh-CN" altLang="en-US" smtClean="0"/>
-              <a:t>2017/3/24</a:t>
+              <a:t>2018/10/23</a:t>
             </a:fld>
             <a:endParaRPr lang="zh-CN" altLang="en-US"/>
           </a:p>
@@ -3251,7 +3230,7 @@
               <a:defRPr/>
             </a:pPr>
             <a:r>
-              <a:rPr lang="en-US" altLang="zh-CN" sz="1600" dirty="0" smtClean="0">
+              <a:rPr lang="en-US" altLang="zh-CN" sz="1600" dirty="0">
                 <a:solidFill>
                   <a:schemeClr val="bg2">
                     <a:lumMod val="50000"/>
@@ -3261,7 +3240,7 @@
               <a:t>Jan</a:t>
             </a:r>
             <a:r>
-              <a:rPr lang="en-US" altLang="zh-CN" sz="1600" smtClean="0">
+              <a:rPr lang="en-US" altLang="zh-CN" sz="1600">
                 <a:solidFill>
                   <a:schemeClr val="bg2">
                     <a:lumMod val="50000"/>
@@ -3308,20 +3287,20 @@
               </a:lnSpc>
             </a:pPr>
             <a:r>
-              <a:rPr lang="en-US" altLang="zh-CN" sz="3000" smtClean="0">
+              <a:rPr lang="en-US" altLang="zh-CN" sz="3000">
                 <a:latin typeface="微软雅黑" pitchFamily="34" charset="-122"/>
                 <a:ea typeface="微软雅黑" pitchFamily="34" charset="-122"/>
               </a:rPr>
               <a:t>VDC</a:t>
             </a:r>
             <a:r>
-              <a:rPr lang="zh-CN" altLang="en-US" sz="3000" dirty="0" smtClean="0">
+              <a:rPr lang="zh-CN" altLang="en-US" sz="3000" dirty="0">
                 <a:latin typeface="微软雅黑" pitchFamily="34" charset="-122"/>
                 <a:ea typeface="微软雅黑" pitchFamily="34" charset="-122"/>
               </a:rPr>
               <a:t>和独享桌面</a:t>
             </a:r>
-            <a:endParaRPr lang="en-US" altLang="zh-CN" sz="3000" dirty="0" smtClean="0">
+            <a:endParaRPr lang="en-US" altLang="zh-CN" sz="3000" dirty="0">
               <a:latin typeface="微软雅黑" pitchFamily="34" charset="-122"/>
               <a:ea typeface="微软雅黑" pitchFamily="34" charset="-122"/>
             </a:endParaRPr>
@@ -3360,7 +3339,7 @@
           <a:noFill/>
           <a:extLst>
             <a:ext uri="{909E8E84-426E-40dd-AFC4-6F175D3DCCD1}">
-              <a14:hiddenFill xmlns="" xmlns:a14="http://schemas.microsoft.com/office/drawing/2010/main">
+              <a14:hiddenFill xmlns:a14="http://schemas.microsoft.com/office/drawing/2010/main" xmlns="">
                 <a:solidFill>
                   <a:srgbClr val="FFFFFF"/>
                 </a:solidFill>
@@ -3401,7 +3380,7 @@
           <a:noFill/>
           <a:extLst>
             <a:ext uri="{909E8E84-426E-40dd-AFC4-6F175D3DCCD1}">
-              <a14:hiddenFill xmlns="" xmlns:a14="http://schemas.microsoft.com/office/drawing/2010/main">
+              <a14:hiddenFill xmlns:a14="http://schemas.microsoft.com/office/drawing/2010/main" xmlns="">
                 <a:solidFill>
                   <a:srgbClr val="FFFFFF"/>
                 </a:solidFill>
@@ -3420,13 +3399,6 @@
   <p:clrMapOvr>
     <a:masterClrMapping/>
   </p:clrMapOvr>
-  <p:timing>
-    <p:tnLst>
-      <p:par>
-        <p:cTn id="1" dur="indefinite" restart="never" nodeType="tmRoot"/>
-      </p:par>
-    </p:tnLst>
-  </p:timing>
 </p:sld>
 </file>
 
@@ -3633,21 +3605,21 @@
           <a:lstStyle/>
           <a:p>
             <a:r>
-              <a:rPr lang="zh-CN" altLang="en-US" sz="3200" b="1" dirty="0" smtClean="0">
+              <a:rPr lang="zh-CN" altLang="en-US" sz="3200" b="1" dirty="0">
                 <a:latin typeface="微软雅黑" panose="020B0503020204020204" pitchFamily="34" charset="-122"/>
                 <a:ea typeface="微软雅黑" panose="020B0503020204020204" pitchFamily="34" charset="-122"/>
               </a:rPr>
               <a:t>软件</a:t>
             </a:r>
             <a:r>
-              <a:rPr lang="en-US" altLang="zh-CN" sz="3200" b="1" dirty="0" smtClean="0">
+              <a:rPr lang="en-US" altLang="zh-CN" sz="3200" b="1" dirty="0">
                 <a:latin typeface="微软雅黑" panose="020B0503020204020204" pitchFamily="34" charset="-122"/>
                 <a:ea typeface="微软雅黑" panose="020B0503020204020204" pitchFamily="34" charset="-122"/>
               </a:rPr>
               <a:t>VDC</a:t>
             </a:r>
             <a:r>
-              <a:rPr lang="zh-CN" altLang="en-US" sz="3200" b="1" dirty="0" smtClean="0">
+              <a:rPr lang="zh-CN" altLang="en-US" sz="3200" b="1" dirty="0">
                 <a:latin typeface="微软雅黑" panose="020B0503020204020204" pitchFamily="34" charset="-122"/>
                 <a:ea typeface="微软雅黑" panose="020B0503020204020204" pitchFamily="34" charset="-122"/>
               </a:rPr>
@@ -3671,7 +3643,7 @@
           <a:bodyPr/>
           <a:lstStyle/>
           <a:p>
-            <a:endParaRPr lang="en-US" altLang="zh-CN" sz="2400" b="1" smtClean="0">
+            <a:endParaRPr lang="en-US" altLang="zh-CN" sz="2400" b="1">
               <a:latin typeface="微软雅黑" panose="020B0503020204020204" pitchFamily="34" charset="-122"/>
               <a:ea typeface="微软雅黑" panose="020B0503020204020204" pitchFamily="34" charset="-122"/>
             </a:endParaRPr>
@@ -3681,7 +3653,7 @@
               <a:buFont typeface="Arial" panose="020B0604020202020204" pitchFamily="34" charset="0"/>
               <a:buNone/>
             </a:pPr>
-            <a:endParaRPr lang="en-US" altLang="zh-CN" sz="2000" smtClean="0">
+            <a:endParaRPr lang="en-US" altLang="zh-CN" sz="2000">
               <a:latin typeface="微软雅黑" panose="020B0503020204020204" pitchFamily="34" charset="-122"/>
               <a:ea typeface="微软雅黑" panose="020B0503020204020204" pitchFamily="34" charset="-122"/>
             </a:endParaRPr>
@@ -3752,13 +3724,6 @@
   <p:clrMapOvr>
     <a:masterClrMapping/>
   </p:clrMapOvr>
-  <p:timing>
-    <p:tnLst>
-      <p:par>
-        <p:cTn id="1" dur="indefinite" restart="never" nodeType="tmRoot"/>
-      </p:par>
-    </p:tnLst>
-  </p:timing>
 </p:sld>
 </file>
 
@@ -4312,7 +4277,7 @@
           <a:lstStyle/>
           <a:p>
             <a:r>
-              <a:rPr lang="zh-CN" altLang="en-US" sz="1400" dirty="0" smtClean="0">
+              <a:rPr lang="zh-CN" altLang="en-US" sz="1400" dirty="0">
                 <a:solidFill>
                   <a:srgbClr val="A5A5A5"/>
                 </a:solidFill>
@@ -4373,7 +4338,7 @@
           <a:lstStyle/>
           <a:p>
             <a:r>
-              <a:rPr lang="zh-CN" altLang="en-US" sz="1400" dirty="0" smtClean="0">
+              <a:rPr lang="zh-CN" altLang="en-US" sz="1400" dirty="0">
                 <a:solidFill>
                   <a:srgbClr val="A5A5A5"/>
                 </a:solidFill>
@@ -4605,13 +4570,6 @@
   <p:clrMapOvr>
     <a:masterClrMapping/>
   </p:clrMapOvr>
-  <p:timing>
-    <p:tnLst>
-      <p:par>
-        <p:cTn id="1" dur="indefinite" restart="never" nodeType="tmRoot"/>
-      </p:par>
-    </p:tnLst>
-  </p:timing>
 </p:sld>
 </file>
 
@@ -4704,14 +4662,14 @@
           </a:ln>
           <a:extLst>
             <a:ext uri="{909E8E84-426E-40dd-AFC4-6F175D3DCCD1}">
-              <a14:hiddenFill xmlns="" xmlns:a14="http://schemas.microsoft.com/office/drawing/2010/main">
+              <a14:hiddenFill xmlns:a14="http://schemas.microsoft.com/office/drawing/2010/main" xmlns="">
                 <a:solidFill>
                   <a:srgbClr val="FFFFFF"/>
                 </a:solidFill>
               </a14:hiddenFill>
             </a:ext>
             <a:ext uri="{91240B29-F687-4f45-9708-019B960494DF}">
-              <a14:hiddenLine xmlns="" xmlns:a14="http://schemas.microsoft.com/office/drawing/2010/main" w="9525">
+              <a14:hiddenLine xmlns:a14="http://schemas.microsoft.com/office/drawing/2010/main" xmlns="" w="9525">
                 <a:solidFill>
                   <a:srgbClr val="000000"/>
                 </a:solidFill>
@@ -4962,13 +4920,6 @@
   <p:clrMapOvr>
     <a:masterClrMapping/>
   </p:clrMapOvr>
-  <p:timing>
-    <p:tnLst>
-      <p:par>
-        <p:cTn id="1" dur="indefinite" restart="never" nodeType="tmRoot"/>
-      </p:par>
-    </p:tnLst>
-  </p:timing>
 </p:sld>
 </file>
 
@@ -5175,14 +5126,14 @@
           <a:lstStyle/>
           <a:p>
             <a:r>
-              <a:rPr lang="en-US" altLang="zh-CN" sz="3200" b="1" dirty="0" smtClean="0">
+              <a:rPr lang="en-US" altLang="zh-CN" sz="3200" b="1" dirty="0">
                 <a:latin typeface="微软雅黑" panose="020B0503020204020204" pitchFamily="34" charset="-122"/>
                 <a:ea typeface="微软雅黑" panose="020B0503020204020204" pitchFamily="34" charset="-122"/>
               </a:rPr>
               <a:t>VDC</a:t>
             </a:r>
             <a:r>
-              <a:rPr lang="zh-CN" altLang="en-US" sz="3200" b="1" dirty="0" smtClean="0">
+              <a:rPr lang="zh-CN" altLang="en-US" sz="3200" b="1" dirty="0">
                 <a:latin typeface="微软雅黑" panose="020B0503020204020204" pitchFamily="34" charset="-122"/>
                 <a:ea typeface="微软雅黑" panose="020B0503020204020204" pitchFamily="34" charset="-122"/>
               </a:rPr>
@@ -5286,35 +5237,7 @@
                 <a:latin typeface="微软雅黑" panose="020B0503020204020204" pitchFamily="34" charset="-122"/>
                 <a:ea typeface="微软雅黑" panose="020B0503020204020204" pitchFamily="34" charset="-122"/>
               </a:rPr>
-              <a:t>天</a:t>
-            </a:r>
-            <a:r>
-              <a:rPr lang="zh-CN" altLang="en-US" sz="2000" noProof="1" smtClean="0">
-                <a:latin typeface="微软雅黑" panose="020B0503020204020204" pitchFamily="34" charset="-122"/>
-                <a:ea typeface="微软雅黑" panose="020B0503020204020204" pitchFamily="34" charset="-122"/>
-              </a:rPr>
-              <a:t>的</a:t>
-            </a:r>
-            <a:r>
-              <a:rPr lang="zh-CN" altLang="en-US" sz="2000" noProof="1">
-                <a:latin typeface="微软雅黑" panose="020B0503020204020204" pitchFamily="34" charset="-122"/>
-                <a:ea typeface="微软雅黑" panose="020B0503020204020204" pitchFamily="34" charset="-122"/>
-              </a:rPr>
-              <a:t>使用</a:t>
-            </a:r>
-            <a:r>
-              <a:rPr lang="zh-CN" altLang="en-US" sz="2000" noProof="1" smtClean="0">
-                <a:latin typeface="微软雅黑" panose="020B0503020204020204" pitchFamily="34" charset="-122"/>
-                <a:ea typeface="微软雅黑" panose="020B0503020204020204" pitchFamily="34" charset="-122"/>
-              </a:rPr>
-              <a:t>权限</a:t>
-            </a:r>
-            <a:r>
-              <a:rPr lang="zh-CN" altLang="en-US" sz="2000" noProof="1">
-                <a:latin typeface="微软雅黑" panose="020B0503020204020204" pitchFamily="34" charset="-122"/>
-                <a:ea typeface="微软雅黑" panose="020B0503020204020204" pitchFamily="34" charset="-122"/>
-              </a:rPr>
-              <a:t>。</a:t>
+              <a:t>天的使用权限。</a:t>
             </a:r>
           </a:p>
           <a:p>
@@ -5432,17 +5355,7 @@
                 <a:latin typeface="微软雅黑" panose="020B0503020204020204" pitchFamily="34" charset="-122"/>
                 <a:ea typeface="微软雅黑" panose="020B0503020204020204" pitchFamily="34" charset="-122"/>
               </a:rPr>
-              <a:t> 注意</a:t>
-            </a:r>
-            <a:r>
-              <a:rPr lang="zh-CN" altLang="en-US" sz="2000" b="1" noProof="1" smtClean="0">
-                <a:solidFill>
-                  <a:srgbClr val="FF0000"/>
-                </a:solidFill>
-                <a:latin typeface="微软雅黑" panose="020B0503020204020204" pitchFamily="34" charset="-122"/>
-                <a:ea typeface="微软雅黑" panose="020B0503020204020204" pitchFamily="34" charset="-122"/>
-              </a:rPr>
-              <a:t>：</a:t>
+              <a:t> 注意：</a:t>
             </a:r>
             <a:endParaRPr lang="en-US" altLang="zh-CN" sz="2000" b="1" noProof="1">
               <a:solidFill>
@@ -5459,7 +5372,7 @@
               <a:defRPr/>
             </a:pPr>
             <a:r>
-              <a:rPr lang="en-US" altLang="zh-CN" sz="2000" b="1" noProof="1" smtClean="0">
+              <a:rPr lang="en-US" altLang="zh-CN" sz="2000" b="1" noProof="1">
                 <a:solidFill>
                   <a:srgbClr val="FF0000"/>
                 </a:solidFill>
@@ -5469,7 +5382,7 @@
               <a:t>	1</a:t>
             </a:r>
             <a:r>
-              <a:rPr lang="zh-CN" altLang="en-US" sz="2000" b="1" noProof="1" smtClean="0">
+              <a:rPr lang="zh-CN" altLang="en-US" sz="2000" b="1" noProof="1">
                 <a:solidFill>
                   <a:srgbClr val="FF0000"/>
                 </a:solidFill>
@@ -5479,7 +5392,7 @@
               <a:t>、软件</a:t>
             </a:r>
             <a:r>
-              <a:rPr lang="en-US" altLang="zh-CN" sz="2000" b="1" noProof="1" smtClean="0">
+              <a:rPr lang="en-US" altLang="zh-CN" sz="2000" b="1" noProof="1">
                 <a:solidFill>
                   <a:srgbClr val="FF0000"/>
                 </a:solidFill>
@@ -5489,7 +5402,7 @@
               <a:t>VDC</a:t>
             </a:r>
             <a:r>
-              <a:rPr lang="zh-CN" altLang="en-US" sz="2000" b="1" noProof="1" smtClean="0">
+              <a:rPr lang="zh-CN" altLang="en-US" sz="2000" b="1" noProof="1">
                 <a:solidFill>
                   <a:srgbClr val="FF0000"/>
                 </a:solidFill>
@@ -5499,7 +5412,7 @@
               <a:t>在</a:t>
             </a:r>
             <a:r>
-              <a:rPr lang="en-US" altLang="zh-CN" sz="2000" b="1" noProof="1" smtClean="0">
+              <a:rPr lang="en-US" altLang="zh-CN" sz="2000" b="1" noProof="1">
                 <a:solidFill>
                   <a:srgbClr val="FF0000"/>
                 </a:solidFill>
@@ -5509,7 +5422,7 @@
               <a:t>VMP</a:t>
             </a:r>
             <a:r>
-              <a:rPr lang="zh-CN" altLang="en-US" sz="2000" b="1" noProof="1" smtClean="0">
+              <a:rPr lang="zh-CN" altLang="en-US" sz="2000" b="1" noProof="1">
                 <a:solidFill>
                   <a:srgbClr val="FF0000"/>
                 </a:solidFill>
@@ -5519,7 +5432,7 @@
               <a:t>激活情况下</a:t>
             </a:r>
             <a:r>
-              <a:rPr lang="en-US" altLang="zh-CN" sz="2000" b="1" noProof="1" smtClean="0">
+              <a:rPr lang="en-US" altLang="zh-CN" sz="2000" b="1" noProof="1">
                 <a:solidFill>
                   <a:srgbClr val="FF0000"/>
                 </a:solidFill>
@@ -5536,17 +5449,7 @@
                 <a:latin typeface="微软雅黑" panose="020B0503020204020204" pitchFamily="34" charset="-122"/>
                 <a:ea typeface="微软雅黑" panose="020B0503020204020204" pitchFamily="34" charset="-122"/>
               </a:rPr>
-              <a:t>必须激活，否则不能</a:t>
-            </a:r>
-            <a:r>
-              <a:rPr lang="zh-CN" altLang="en-US" sz="2000" b="1" noProof="1" smtClean="0">
-                <a:solidFill>
-                  <a:srgbClr val="FF0000"/>
-                </a:solidFill>
-                <a:latin typeface="微软雅黑" panose="020B0503020204020204" pitchFamily="34" charset="-122"/>
-                <a:ea typeface="微软雅黑" panose="020B0503020204020204" pitchFamily="34" charset="-122"/>
-              </a:rPr>
-              <a:t>使用</a:t>
+              <a:t>必须激活，否则不能使用</a:t>
             </a:r>
             <a:endParaRPr lang="en-US" altLang="zh-CN" sz="2000" b="1" noProof="1">
               <a:solidFill>
@@ -5563,7 +5466,7 @@
               <a:defRPr/>
             </a:pPr>
             <a:r>
-              <a:rPr lang="en-US" altLang="zh-CN" sz="2000" b="1" noProof="1" smtClean="0">
+              <a:rPr lang="en-US" altLang="zh-CN" sz="2000" b="1" noProof="1">
                 <a:solidFill>
                   <a:srgbClr val="FF0000"/>
                 </a:solidFill>
@@ -5886,13 +5789,6 @@
   <p:clrMapOvr>
     <a:masterClrMapping/>
   </p:clrMapOvr>
-  <p:timing>
-    <p:tnLst>
-      <p:par>
-        <p:cTn id="1" dur="indefinite" restart="never" nodeType="tmRoot"/>
-      </p:par>
-    </p:tnLst>
-  </p:timing>
 </p:sld>
 </file>
 
@@ -6099,14 +5995,14 @@
           <a:lstStyle/>
           <a:p>
             <a:r>
-              <a:rPr lang="en-US" altLang="zh-CN" sz="3200" b="1" dirty="0" smtClean="0">
+              <a:rPr lang="en-US" altLang="zh-CN" sz="3200" b="1" dirty="0">
                 <a:latin typeface="微软雅黑" panose="020B0503020204020204" pitchFamily="34" charset="-122"/>
                 <a:ea typeface="微软雅黑" panose="020B0503020204020204" pitchFamily="34" charset="-122"/>
               </a:rPr>
               <a:t>VDC</a:t>
             </a:r>
             <a:r>
-              <a:rPr lang="zh-CN" altLang="en-US" sz="3200" b="1" dirty="0" smtClean="0">
+              <a:rPr lang="zh-CN" altLang="en-US" sz="3200" b="1" dirty="0">
                 <a:latin typeface="微软雅黑" panose="020B0503020204020204" pitchFamily="34" charset="-122"/>
                 <a:ea typeface="微软雅黑" panose="020B0503020204020204" pitchFamily="34" charset="-122"/>
               </a:rPr>
@@ -6267,7 +6163,7 @@
               <a:defRPr/>
             </a:pPr>
             <a:r>
-              <a:rPr lang="zh-CN" altLang="en-US" sz="1800" noProof="1" smtClean="0">
+              <a:rPr lang="zh-CN" altLang="en-US" sz="1800" noProof="1">
                 <a:solidFill>
                   <a:srgbClr val="FF0000"/>
                 </a:solidFill>
@@ -6277,7 +6173,7 @@
               <a:t>软件</a:t>
             </a:r>
             <a:r>
-              <a:rPr lang="en-US" altLang="zh-CN" sz="1800" noProof="1" smtClean="0">
+              <a:rPr lang="en-US" altLang="zh-CN" sz="1800" noProof="1">
                 <a:solidFill>
                   <a:srgbClr val="FF0000"/>
                 </a:solidFill>
@@ -6287,24 +6183,14 @@
               <a:t>VDC</a:t>
             </a:r>
             <a:r>
-              <a:rPr lang="zh-CN" altLang="en-US" sz="1800" noProof="1" smtClean="0">
+              <a:rPr lang="zh-CN" altLang="en-US" sz="1800" noProof="1">
                 <a:solidFill>
                   <a:srgbClr val="FF0000"/>
                 </a:solidFill>
                 <a:latin typeface="微软雅黑" panose="020B0503020204020204" pitchFamily="34" charset="-122"/>
                 <a:ea typeface="微软雅黑" panose="020B0503020204020204" pitchFamily="34" charset="-122"/>
               </a:rPr>
-              <a:t>需要</a:t>
-            </a:r>
-            <a:r>
-              <a:rPr lang="zh-CN" altLang="en-US" sz="1800" noProof="1">
-                <a:solidFill>
-                  <a:srgbClr val="FF0000"/>
-                </a:solidFill>
-                <a:latin typeface="微软雅黑" panose="020B0503020204020204" pitchFamily="34" charset="-122"/>
-                <a:ea typeface="微软雅黑" panose="020B0503020204020204" pitchFamily="34" charset="-122"/>
-              </a:rPr>
-              <a:t>开通线路授权</a:t>
+              <a:t>需要开通线路授权</a:t>
             </a:r>
           </a:p>
           <a:p>
@@ -6330,13 +6216,6 @@
   <p:clrMapOvr>
     <a:masterClrMapping/>
   </p:clrMapOvr>
-  <p:timing>
-    <p:tnLst>
-      <p:par>
-        <p:cTn id="1" dur="indefinite" restart="never" nodeType="tmRoot"/>
-      </p:par>
-    </p:tnLst>
-  </p:timing>
 </p:sld>
 </file>
 
@@ -6543,14 +6422,14 @@
           <a:lstStyle/>
           <a:p>
             <a:r>
-              <a:rPr lang="en-US" altLang="zh-CN" sz="3200" b="1" dirty="0" smtClean="0">
+              <a:rPr lang="en-US" altLang="zh-CN" sz="3200" b="1" dirty="0">
                 <a:latin typeface="微软雅黑" panose="020B0503020204020204" pitchFamily="34" charset="-122"/>
                 <a:ea typeface="微软雅黑" panose="020B0503020204020204" pitchFamily="34" charset="-122"/>
               </a:rPr>
               <a:t>VDC</a:t>
             </a:r>
             <a:r>
-              <a:rPr lang="zh-CN" altLang="en-US" sz="3200" b="1" dirty="0" smtClean="0">
+              <a:rPr lang="zh-CN" altLang="en-US" sz="3200" b="1" dirty="0">
                 <a:latin typeface="微软雅黑" panose="020B0503020204020204" pitchFamily="34" charset="-122"/>
                 <a:ea typeface="微软雅黑" panose="020B0503020204020204" pitchFamily="34" charset="-122"/>
               </a:rPr>
@@ -6746,13 +6625,6 @@
   <p:clrMapOvr>
     <a:masterClrMapping/>
   </p:clrMapOvr>
-  <p:timing>
-    <p:tnLst>
-      <p:par>
-        <p:cTn id="1" dur="indefinite" restart="never" nodeType="tmRoot"/>
-      </p:par>
-    </p:tnLst>
-  </p:timing>
 </p:sld>
 </file>
 
@@ -6959,14 +6831,14 @@
           <a:lstStyle/>
           <a:p>
             <a:r>
-              <a:rPr lang="en-US" altLang="zh-CN" sz="3200" b="1" dirty="0" smtClean="0">
+              <a:rPr lang="en-US" altLang="zh-CN" sz="3200" b="1" dirty="0">
                 <a:latin typeface="微软雅黑" panose="020B0503020204020204" pitchFamily="34" charset="-122"/>
                 <a:ea typeface="微软雅黑" panose="020B0503020204020204" pitchFamily="34" charset="-122"/>
               </a:rPr>
               <a:t>VDC</a:t>
             </a:r>
             <a:r>
-              <a:rPr lang="zh-CN" altLang="en-US" sz="3200" b="1" dirty="0" smtClean="0">
+              <a:rPr lang="zh-CN" altLang="en-US" sz="3200" b="1" dirty="0">
                 <a:latin typeface="微软雅黑" panose="020B0503020204020204" pitchFamily="34" charset="-122"/>
                 <a:ea typeface="微软雅黑" panose="020B0503020204020204" pitchFamily="34" charset="-122"/>
               </a:rPr>
@@ -6990,7 +6862,7 @@
           <a:bodyPr/>
           <a:lstStyle/>
           <a:p>
-            <a:endParaRPr lang="en-US" altLang="zh-CN" sz="2400" b="1" smtClean="0">
+            <a:endParaRPr lang="en-US" altLang="zh-CN" sz="2400" b="1">
               <a:latin typeface="微软雅黑" panose="020B0503020204020204" pitchFamily="34" charset="-122"/>
               <a:ea typeface="微软雅黑" panose="020B0503020204020204" pitchFamily="34" charset="-122"/>
             </a:endParaRPr>
@@ -7000,7 +6872,7 @@
               <a:buFont typeface="Arial" panose="020B0604020202020204" pitchFamily="34" charset="0"/>
               <a:buNone/>
             </a:pPr>
-            <a:endParaRPr lang="en-US" altLang="zh-CN" sz="2000" smtClean="0">
+            <a:endParaRPr lang="en-US" altLang="zh-CN" sz="2000">
               <a:latin typeface="微软雅黑" panose="020B0503020204020204" pitchFamily="34" charset="-122"/>
               <a:ea typeface="微软雅黑" panose="020B0503020204020204" pitchFamily="34" charset="-122"/>
             </a:endParaRPr>
@@ -7030,7 +6902,7 @@
         </p:blipFill>
         <p:spPr bwMode="auto">
           <a:xfrm>
-            <a:off x="107950" y="1484313"/>
+            <a:off x="457200" y="1600200"/>
             <a:ext cx="9042400" cy="4195762"/>
           </a:xfrm>
           <a:prstGeom prst="rect">
@@ -7071,13 +6943,6 @@
   <p:clrMapOvr>
     <a:masterClrMapping/>
   </p:clrMapOvr>
-  <p:timing>
-    <p:tnLst>
-      <p:par>
-        <p:cTn id="1" dur="indefinite" restart="never" nodeType="tmRoot"/>
-      </p:par>
-    </p:tnLst>
-  </p:timing>
 </p:sld>
 </file>
 
@@ -7284,14 +7149,14 @@
           <a:lstStyle/>
           <a:p>
             <a:r>
-              <a:rPr lang="en-US" altLang="zh-CN" sz="3200" b="1" dirty="0" smtClean="0">
+              <a:rPr lang="en-US" altLang="zh-CN" sz="3200" b="1" dirty="0">
                 <a:latin typeface="微软雅黑" panose="020B0503020204020204" pitchFamily="34" charset="-122"/>
                 <a:ea typeface="微软雅黑" panose="020B0503020204020204" pitchFamily="34" charset="-122"/>
               </a:rPr>
               <a:t>VDC</a:t>
             </a:r>
             <a:r>
-              <a:rPr lang="zh-CN" altLang="en-US" sz="3200" b="1" dirty="0" smtClean="0">
+              <a:rPr lang="zh-CN" altLang="en-US" sz="3200" b="1" dirty="0">
                 <a:latin typeface="微软雅黑" panose="020B0503020204020204" pitchFamily="34" charset="-122"/>
                 <a:ea typeface="微软雅黑" panose="020B0503020204020204" pitchFamily="34" charset="-122"/>
               </a:rPr>
@@ -7316,7 +7181,7 @@
           <a:lstStyle/>
           <a:p>
             <a:r>
-              <a:rPr lang="en-US" altLang="en-US" sz="2400" b="1" smtClean="0">
+              <a:rPr lang="en-US" altLang="en-US" sz="2400" b="1">
                 <a:latin typeface="微软雅黑" panose="020B0503020204020204" pitchFamily="34" charset="-122"/>
                 <a:ea typeface="微软雅黑" panose="020B0503020204020204" pitchFamily="34" charset="-122"/>
               </a:rPr>
@@ -7326,7 +7191,7 @@
           <a:p>
             <a:pPr lvl="1"/>
             <a:r>
-              <a:rPr lang="en-US" altLang="en-US" sz="2000" smtClean="0">
+              <a:rPr lang="en-US" altLang="en-US" sz="2000">
                 <a:latin typeface="微软雅黑" panose="020B0503020204020204" pitchFamily="34" charset="-122"/>
                 <a:ea typeface="微软雅黑" panose="020B0503020204020204" pitchFamily="34" charset="-122"/>
               </a:rPr>
@@ -7336,14 +7201,14 @@
           <a:p>
             <a:pPr lvl="2"/>
             <a:r>
-              <a:rPr lang="en-US" altLang="en-US" sz="1800" smtClean="0">
+              <a:rPr lang="en-US" altLang="en-US" sz="1800">
                 <a:latin typeface="微软雅黑" panose="020B0503020204020204" pitchFamily="34" charset="-122"/>
                 <a:ea typeface="微软雅黑" panose="020B0503020204020204" pitchFamily="34" charset="-122"/>
               </a:rPr>
               <a:t>显示桌面：</a:t>
             </a:r>
             <a:r>
-              <a:rPr lang="zh-CN" altLang="en-US" sz="1800" smtClean="0">
+              <a:rPr lang="zh-CN" altLang="en-US" sz="1800">
                 <a:latin typeface="微软雅黑" panose="020B0503020204020204" pitchFamily="34" charset="-122"/>
                 <a:ea typeface="微软雅黑" panose="020B0503020204020204" pitchFamily="34" charset="-122"/>
                 <a:sym typeface="宋体" panose="02010600030101010101" pitchFamily="2" charset="-122"/>
@@ -7351,7 +7216,7 @@
               <a:t>是否允许显示</a:t>
             </a:r>
             <a:r>
-              <a:rPr lang="en-US" altLang="zh-CN" sz="1800" smtClean="0">
+              <a:rPr lang="en-US" altLang="zh-CN" sz="1800">
                 <a:latin typeface="微软雅黑" panose="020B0503020204020204" pitchFamily="34" charset="-122"/>
                 <a:ea typeface="微软雅黑" panose="020B0503020204020204" pitchFamily="34" charset="-122"/>
                 <a:sym typeface="宋体" panose="02010600030101010101" pitchFamily="2" charset="-122"/>
@@ -7359,7 +7224,7 @@
               <a:t>aDesk</a:t>
             </a:r>
             <a:r>
-              <a:rPr lang="zh-CN" altLang="en-US" sz="1800" smtClean="0">
+              <a:rPr lang="zh-CN" altLang="en-US" sz="1800">
                 <a:latin typeface="微软雅黑" panose="020B0503020204020204" pitchFamily="34" charset="-122"/>
                 <a:ea typeface="微软雅黑" panose="020B0503020204020204" pitchFamily="34" charset="-122"/>
                 <a:sym typeface="宋体" panose="02010600030101010101" pitchFamily="2" charset="-122"/>
@@ -7367,7 +7232,7 @@
               <a:t>的</a:t>
             </a:r>
             <a:r>
-              <a:rPr lang="en-US" altLang="zh-CN" sz="1800" smtClean="0">
+              <a:rPr lang="en-US" altLang="zh-CN" sz="1800">
                 <a:latin typeface="微软雅黑" panose="020B0503020204020204" pitchFamily="34" charset="-122"/>
                 <a:ea typeface="微软雅黑" panose="020B0503020204020204" pitchFamily="34" charset="-122"/>
                 <a:sym typeface="宋体" panose="02010600030101010101" pitchFamily="2" charset="-122"/>
@@ -7375,7 +7240,7 @@
               <a:t>Android</a:t>
             </a:r>
             <a:r>
-              <a:rPr lang="zh-CN" altLang="en-US" sz="1800" smtClean="0">
+              <a:rPr lang="zh-CN" altLang="en-US" sz="1800">
                 <a:latin typeface="微软雅黑" panose="020B0503020204020204" pitchFamily="34" charset="-122"/>
                 <a:ea typeface="微软雅黑" panose="020B0503020204020204" pitchFamily="34" charset="-122"/>
                 <a:sym typeface="宋体" panose="02010600030101010101" pitchFamily="2" charset="-122"/>
@@ -7386,7 +7251,7 @@
           <a:p>
             <a:pPr lvl="2"/>
             <a:r>
-              <a:rPr lang="zh-CN" altLang="en-US" sz="1800" smtClean="0">
+              <a:rPr lang="zh-CN" altLang="en-US" sz="1800">
                 <a:latin typeface="微软雅黑" panose="020B0503020204020204" pitchFamily="34" charset="-122"/>
                 <a:ea typeface="微软雅黑" panose="020B0503020204020204" pitchFamily="34" charset="-122"/>
                 <a:sym typeface="宋体" panose="02010600030101010101" pitchFamily="2" charset="-122"/>
@@ -7394,7 +7259,7 @@
               <a:t>安装应用：是否允许在</a:t>
             </a:r>
             <a:r>
-              <a:rPr lang="en-US" altLang="zh-CN" sz="1800" smtClean="0">
+              <a:rPr lang="en-US" altLang="zh-CN" sz="1800">
                 <a:latin typeface="微软雅黑" panose="020B0503020204020204" pitchFamily="34" charset="-122"/>
                 <a:ea typeface="微软雅黑" panose="020B0503020204020204" pitchFamily="34" charset="-122"/>
                 <a:sym typeface="宋体" panose="02010600030101010101" pitchFamily="2" charset="-122"/>
@@ -7402,7 +7267,7 @@
               <a:t>Android</a:t>
             </a:r>
             <a:r>
-              <a:rPr lang="zh-CN" altLang="en-US" sz="1800" smtClean="0">
+              <a:rPr lang="zh-CN" altLang="en-US" sz="1800">
                 <a:latin typeface="微软雅黑" panose="020B0503020204020204" pitchFamily="34" charset="-122"/>
                 <a:ea typeface="微软雅黑" panose="020B0503020204020204" pitchFamily="34" charset="-122"/>
                 <a:sym typeface="宋体" panose="02010600030101010101" pitchFamily="2" charset="-122"/>
@@ -7410,7 +7275,7 @@
               <a:t>系统上安装</a:t>
             </a:r>
             <a:r>
-              <a:rPr lang="en-US" altLang="zh-CN" sz="1800" smtClean="0">
+              <a:rPr lang="en-US" altLang="zh-CN" sz="1800">
                 <a:latin typeface="微软雅黑" panose="020B0503020204020204" pitchFamily="34" charset="-122"/>
                 <a:ea typeface="微软雅黑" panose="020B0503020204020204" pitchFamily="34" charset="-122"/>
                 <a:sym typeface="宋体" panose="02010600030101010101" pitchFamily="2" charset="-122"/>
@@ -7421,7 +7286,7 @@
           <a:p>
             <a:pPr lvl="2"/>
             <a:r>
-              <a:rPr lang="zh-CN" altLang="en-US" sz="1800" smtClean="0">
+              <a:rPr lang="zh-CN" altLang="en-US" sz="1800">
                 <a:latin typeface="微软雅黑" panose="020B0503020204020204" pitchFamily="34" charset="-122"/>
                 <a:ea typeface="微软雅黑" panose="020B0503020204020204" pitchFamily="34" charset="-122"/>
                 <a:sym typeface="宋体" panose="02010600030101010101" pitchFamily="2" charset="-122"/>
@@ -7429,7 +7294,7 @@
               <a:t>新客户机接入：是否允许新的</a:t>
             </a:r>
             <a:r>
-              <a:rPr lang="en-US" altLang="zh-CN" sz="1800" smtClean="0">
+              <a:rPr lang="en-US" altLang="zh-CN" sz="1800">
                 <a:latin typeface="微软雅黑" panose="020B0503020204020204" pitchFamily="34" charset="-122"/>
                 <a:ea typeface="微软雅黑" panose="020B0503020204020204" pitchFamily="34" charset="-122"/>
                 <a:sym typeface="宋体" panose="02010600030101010101" pitchFamily="2" charset="-122"/>
@@ -7437,7 +7302,7 @@
               <a:t>aDesk</a:t>
             </a:r>
             <a:r>
-              <a:rPr lang="zh-CN" altLang="en-US" sz="1800" smtClean="0">
+              <a:rPr lang="zh-CN" altLang="en-US" sz="1800">
                 <a:latin typeface="微软雅黑" panose="020B0503020204020204" pitchFamily="34" charset="-122"/>
                 <a:ea typeface="微软雅黑" panose="020B0503020204020204" pitchFamily="34" charset="-122"/>
                 <a:sym typeface="宋体" panose="02010600030101010101" pitchFamily="2" charset="-122"/>
@@ -7445,7 +7310,7 @@
               <a:t>接入</a:t>
             </a:r>
             <a:r>
-              <a:rPr lang="en-US" altLang="zh-CN" sz="1800" smtClean="0">
+              <a:rPr lang="en-US" altLang="zh-CN" sz="1800">
                 <a:latin typeface="微软雅黑" panose="020B0503020204020204" pitchFamily="34" charset="-122"/>
                 <a:ea typeface="微软雅黑" panose="020B0503020204020204" pitchFamily="34" charset="-122"/>
                 <a:sym typeface="宋体" panose="02010600030101010101" pitchFamily="2" charset="-122"/>
@@ -7456,7 +7321,7 @@
           <a:p>
             <a:pPr lvl="2"/>
             <a:r>
-              <a:rPr lang="zh-CN" altLang="en-US" sz="1800" smtClean="0">
+              <a:rPr lang="zh-CN" altLang="en-US" sz="1800">
                 <a:latin typeface="微软雅黑" panose="020B0503020204020204" pitchFamily="34" charset="-122"/>
                 <a:ea typeface="微软雅黑" panose="020B0503020204020204" pitchFamily="34" charset="-122"/>
                 <a:sym typeface="宋体" panose="02010600030101010101" pitchFamily="2" charset="-122"/>
@@ -7464,7 +7329,7 @@
               <a:t>客户机修改配置：是否允许修改</a:t>
             </a:r>
             <a:r>
-              <a:rPr lang="en-US" altLang="zh-CN" sz="1800" smtClean="0">
+              <a:rPr lang="en-US" altLang="zh-CN" sz="1800">
                 <a:latin typeface="微软雅黑" panose="020B0503020204020204" pitchFamily="34" charset="-122"/>
                 <a:ea typeface="微软雅黑" panose="020B0503020204020204" pitchFamily="34" charset="-122"/>
                 <a:sym typeface="宋体" panose="02010600030101010101" pitchFamily="2" charset="-122"/>
@@ -7472,7 +7337,7 @@
               <a:t>aDesk</a:t>
             </a:r>
             <a:r>
-              <a:rPr lang="zh-CN" altLang="en-US" sz="1800" smtClean="0">
+              <a:rPr lang="zh-CN" altLang="en-US" sz="1800">
                 <a:latin typeface="微软雅黑" panose="020B0503020204020204" pitchFamily="34" charset="-122"/>
                 <a:ea typeface="微软雅黑" panose="020B0503020204020204" pitchFamily="34" charset="-122"/>
                 <a:sym typeface="宋体" panose="02010600030101010101" pitchFamily="2" charset="-122"/>
@@ -7483,7 +7348,7 @@
           <a:p>
             <a:pPr lvl="2"/>
             <a:r>
-              <a:rPr lang="en-US" altLang="zh-CN" sz="1800" smtClean="0">
+              <a:rPr lang="en-US" altLang="zh-CN" sz="1800">
                 <a:latin typeface="微软雅黑" panose="020B0503020204020204" pitchFamily="34" charset="-122"/>
                 <a:ea typeface="微软雅黑" panose="020B0503020204020204" pitchFamily="34" charset="-122"/>
                 <a:sym typeface="宋体" panose="02010600030101010101" pitchFamily="2" charset="-122"/>
@@ -7491,7 +7356,7 @@
               <a:t>PC一体化修改配置</a:t>
             </a:r>
             <a:r>
-              <a:rPr lang="zh-CN" altLang="en-US" sz="1800" smtClean="0">
+              <a:rPr lang="zh-CN" altLang="en-US" sz="1800">
                 <a:latin typeface="微软雅黑" panose="020B0503020204020204" pitchFamily="34" charset="-122"/>
                 <a:ea typeface="微软雅黑" panose="020B0503020204020204" pitchFamily="34" charset="-122"/>
                 <a:sym typeface="宋体" panose="02010600030101010101" pitchFamily="2" charset="-122"/>
@@ -7502,7 +7367,7 @@
           <a:p>
             <a:pPr lvl="1"/>
             <a:r>
-              <a:rPr lang="zh-CN" altLang="en-US" sz="1900" smtClean="0">
+              <a:rPr lang="zh-CN" altLang="en-US" sz="1900">
                 <a:latin typeface="微软雅黑" panose="020B0503020204020204" pitchFamily="34" charset="-122"/>
                 <a:ea typeface="微软雅黑" panose="020B0503020204020204" pitchFamily="34" charset="-122"/>
                 <a:sym typeface="宋体" panose="02010600030101010101" pitchFamily="2" charset="-122"/>
@@ -7513,7 +7378,7 @@
           <a:p>
             <a:pPr lvl="2"/>
             <a:r>
-              <a:rPr lang="zh-CN" altLang="en-US" sz="1800" smtClean="0">
+              <a:rPr lang="zh-CN" altLang="en-US" sz="1800">
                 <a:latin typeface="微软雅黑" panose="020B0503020204020204" pitchFamily="34" charset="-122"/>
                 <a:ea typeface="微软雅黑" panose="020B0503020204020204" pitchFamily="34" charset="-122"/>
                 <a:sym typeface="宋体" panose="02010600030101010101" pitchFamily="2" charset="-122"/>
@@ -7521,7 +7386,7 @@
               <a:t>自动下载安装</a:t>
             </a:r>
             <a:r>
-              <a:rPr lang="en-US" altLang="zh-CN" sz="1800" smtClean="0">
+              <a:rPr lang="en-US" altLang="zh-CN" sz="1800">
                 <a:latin typeface="微软雅黑" panose="020B0503020204020204" pitchFamily="34" charset="-122"/>
                 <a:ea typeface="微软雅黑" panose="020B0503020204020204" pitchFamily="34" charset="-122"/>
                 <a:sym typeface="宋体" panose="02010600030101010101" pitchFamily="2" charset="-122"/>
@@ -7529,7 +7394,7 @@
               <a:t>Android</a:t>
             </a:r>
             <a:r>
-              <a:rPr lang="zh-CN" altLang="en-US" sz="1800" smtClean="0">
+              <a:rPr lang="zh-CN" altLang="en-US" sz="1800">
                 <a:latin typeface="微软雅黑" panose="020B0503020204020204" pitchFamily="34" charset="-122"/>
                 <a:ea typeface="微软雅黑" panose="020B0503020204020204" pitchFamily="34" charset="-122"/>
                 <a:sym typeface="宋体" panose="02010600030101010101" pitchFamily="2" charset="-122"/>
@@ -7540,7 +7405,7 @@
           <a:p>
             <a:pPr lvl="2"/>
             <a:r>
-              <a:rPr lang="zh-CN" altLang="en-US" sz="1800" smtClean="0">
+              <a:rPr lang="zh-CN" altLang="en-US" sz="1800">
                 <a:latin typeface="微软雅黑" panose="020B0503020204020204" pitchFamily="34" charset="-122"/>
                 <a:ea typeface="微软雅黑" panose="020B0503020204020204" pitchFamily="34" charset="-122"/>
                 <a:sym typeface="宋体" panose="02010600030101010101" pitchFamily="2" charset="-122"/>
@@ -7548,7 +7413,7 @@
               <a:t>开机自动运行</a:t>
             </a:r>
             <a:r>
-              <a:rPr lang="en-US" altLang="zh-CN" sz="1800" smtClean="0">
+              <a:rPr lang="en-US" altLang="zh-CN" sz="1800">
                 <a:latin typeface="微软雅黑" panose="020B0503020204020204" pitchFamily="34" charset="-122"/>
                 <a:ea typeface="微软雅黑" panose="020B0503020204020204" pitchFamily="34" charset="-122"/>
                 <a:sym typeface="宋体" panose="02010600030101010101" pitchFamily="2" charset="-122"/>
@@ -7556,7 +7421,7 @@
               <a:t>VDI Client</a:t>
             </a:r>
             <a:r>
-              <a:rPr lang="zh-CN" altLang="en-US" sz="1800" smtClean="0">
+              <a:rPr lang="zh-CN" altLang="en-US" sz="1800">
                 <a:latin typeface="微软雅黑" panose="020B0503020204020204" pitchFamily="34" charset="-122"/>
                 <a:ea typeface="微软雅黑" panose="020B0503020204020204" pitchFamily="34" charset="-122"/>
                 <a:sym typeface="宋体" panose="02010600030101010101" pitchFamily="2" charset="-122"/>
@@ -7567,7 +7432,7 @@
           <a:p>
             <a:pPr lvl="2"/>
             <a:r>
-              <a:rPr lang="zh-CN" altLang="en-US" sz="1800" smtClean="0">
+              <a:rPr lang="zh-CN" altLang="en-US" sz="1800">
                 <a:latin typeface="微软雅黑" panose="020B0503020204020204" pitchFamily="34" charset="-122"/>
                 <a:ea typeface="微软雅黑" panose="020B0503020204020204" pitchFamily="34" charset="-122"/>
                 <a:sym typeface="宋体" panose="02010600030101010101" pitchFamily="2" charset="-122"/>
@@ -7575,7 +7440,7 @@
               <a:t>允许客户机</a:t>
             </a:r>
             <a:r>
-              <a:rPr lang="en-US" altLang="zh-CN" sz="1800" smtClean="0">
+              <a:rPr lang="en-US" altLang="zh-CN" sz="1800">
                 <a:latin typeface="微软雅黑" panose="020B0503020204020204" pitchFamily="34" charset="-122"/>
                 <a:ea typeface="微软雅黑" panose="020B0503020204020204" pitchFamily="34" charset="-122"/>
                 <a:sym typeface="宋体" panose="02010600030101010101" pitchFamily="2" charset="-122"/>
@@ -7583,7 +7448,7 @@
               <a:t>Android</a:t>
             </a:r>
             <a:r>
-              <a:rPr lang="zh-CN" altLang="en-US" sz="1800" smtClean="0">
+              <a:rPr lang="zh-CN" altLang="en-US" sz="1800">
                 <a:latin typeface="微软雅黑" panose="020B0503020204020204" pitchFamily="34" charset="-122"/>
                 <a:ea typeface="微软雅黑" panose="020B0503020204020204" pitchFamily="34" charset="-122"/>
                 <a:sym typeface="宋体" panose="02010600030101010101" pitchFamily="2" charset="-122"/>
@@ -7594,7 +7459,7 @@
           <a:p>
             <a:pPr lvl="2"/>
             <a:r>
-              <a:rPr lang="zh-CN" altLang="en-US" sz="1700" smtClean="0">
+              <a:rPr lang="zh-CN" altLang="en-US" sz="1700">
                 <a:latin typeface="微软雅黑" panose="020B0503020204020204" pitchFamily="34" charset="-122"/>
                 <a:ea typeface="微软雅黑" panose="020B0503020204020204" pitchFamily="34" charset="-122"/>
                 <a:sym typeface="宋体" panose="02010600030101010101" pitchFamily="2" charset="-122"/>
@@ -7605,7 +7470,7 @@
           <a:p>
             <a:pPr lvl="2"/>
             <a:r>
-              <a:rPr lang="zh-CN" altLang="en-US" sz="1700" smtClean="0">
+              <a:rPr lang="zh-CN" altLang="en-US" sz="1700">
                 <a:latin typeface="微软雅黑" panose="020B0503020204020204" pitchFamily="34" charset="-122"/>
                 <a:ea typeface="微软雅黑" panose="020B0503020204020204" pitchFamily="34" charset="-122"/>
                 <a:sym typeface="宋体" panose="02010600030101010101" pitchFamily="2" charset="-122"/>
@@ -7613,7 +7478,7 @@
               <a:t>自定义开机动画，支持客户自己定义</a:t>
             </a:r>
             <a:r>
-              <a:rPr lang="en-US" altLang="zh-CN" sz="1700" smtClean="0">
+              <a:rPr lang="en-US" altLang="zh-CN" sz="1700">
                 <a:latin typeface="微软雅黑" panose="020B0503020204020204" pitchFamily="34" charset="-122"/>
                 <a:ea typeface="微软雅黑" panose="020B0503020204020204" pitchFamily="34" charset="-122"/>
                 <a:sym typeface="宋体" panose="02010600030101010101" pitchFamily="2" charset="-122"/>
@@ -7621,7 +7486,7 @@
               <a:t>aDesk</a:t>
             </a:r>
             <a:r>
-              <a:rPr lang="zh-CN" altLang="en-US" sz="1700" smtClean="0">
+              <a:rPr lang="zh-CN" altLang="en-US" sz="1700">
                 <a:latin typeface="微软雅黑" panose="020B0503020204020204" pitchFamily="34" charset="-122"/>
                 <a:ea typeface="微软雅黑" panose="020B0503020204020204" pitchFamily="34" charset="-122"/>
                 <a:sym typeface="宋体" panose="02010600030101010101" pitchFamily="2" charset="-122"/>
@@ -7631,14 +7496,14 @@
           </a:p>
           <a:p>
             <a:pPr lvl="2"/>
-            <a:endParaRPr lang="en-US" altLang="zh-CN" sz="1800" smtClean="0">
+            <a:endParaRPr lang="en-US" altLang="zh-CN" sz="1800">
               <a:latin typeface="微软雅黑" panose="020B0503020204020204" pitchFamily="34" charset="-122"/>
               <a:ea typeface="微软雅黑" panose="020B0503020204020204" pitchFamily="34" charset="-122"/>
             </a:endParaRPr>
           </a:p>
           <a:p>
             <a:pPr lvl="2"/>
-            <a:endParaRPr lang="zh-CN" altLang="en-US" sz="1800" smtClean="0">
+            <a:endParaRPr lang="zh-CN" altLang="en-US" sz="1800">
               <a:latin typeface="微软雅黑" panose="020B0503020204020204" pitchFamily="34" charset="-122"/>
               <a:ea typeface="微软雅黑" panose="020B0503020204020204" pitchFamily="34" charset="-122"/>
               <a:sym typeface="宋体" panose="02010600030101010101" pitchFamily="2" charset="-122"/>
@@ -7649,7 +7514,7 @@
               <a:buFont typeface="Arial" panose="020B0604020202020204" pitchFamily="34" charset="0"/>
               <a:buNone/>
             </a:pPr>
-            <a:endParaRPr lang="en-US" altLang="en-US" sz="2100" smtClean="0">
+            <a:endParaRPr lang="en-US" altLang="en-US" sz="2100">
               <a:latin typeface="微软雅黑" panose="020B0503020204020204" pitchFamily="34" charset="-122"/>
               <a:ea typeface="微软雅黑" panose="020B0503020204020204" pitchFamily="34" charset="-122"/>
             </a:endParaRPr>
@@ -7659,14 +7524,14 @@
               <a:buFont typeface="Arial" panose="020B0604020202020204" pitchFamily="34" charset="0"/>
               <a:buNone/>
             </a:pPr>
-            <a:endParaRPr lang="en-US" altLang="zh-CN" sz="1800" smtClean="0">
+            <a:endParaRPr lang="en-US" altLang="zh-CN" sz="1800">
               <a:latin typeface="微软雅黑" panose="020B0503020204020204" pitchFamily="34" charset="-122"/>
               <a:ea typeface="微软雅黑" panose="020B0503020204020204" pitchFamily="34" charset="-122"/>
             </a:endParaRPr>
           </a:p>
           <a:p>
             <a:pPr lvl="1"/>
-            <a:endParaRPr lang="en-US" altLang="en-US" sz="2100" b="1" smtClean="0">
+            <a:endParaRPr lang="en-US" altLang="en-US" sz="2100" b="1">
               <a:latin typeface="微软雅黑" panose="020B0503020204020204" pitchFamily="34" charset="-122"/>
               <a:ea typeface="微软雅黑" panose="020B0503020204020204" pitchFamily="34" charset="-122"/>
             </a:endParaRPr>
@@ -7676,7 +7541,7 @@
               <a:buFont typeface="Arial" panose="020B0604020202020204" pitchFamily="34" charset="0"/>
               <a:buNone/>
             </a:pPr>
-            <a:endParaRPr lang="en-US" altLang="zh-CN" sz="2000" smtClean="0">
+            <a:endParaRPr lang="en-US" altLang="zh-CN" sz="2000">
               <a:latin typeface="微软雅黑" panose="020B0503020204020204" pitchFamily="34" charset="-122"/>
               <a:ea typeface="微软雅黑" panose="020B0503020204020204" pitchFamily="34" charset="-122"/>
             </a:endParaRPr>
@@ -7693,13 +7558,6 @@
   <p:clrMapOvr>
     <a:masterClrMapping/>
   </p:clrMapOvr>
-  <p:timing>
-    <p:tnLst>
-      <p:par>
-        <p:cTn id="1" dur="indefinite" restart="never" nodeType="tmRoot"/>
-      </p:par>
-    </p:tnLst>
-  </p:timing>
 </p:sld>
 </file>
 
@@ -7906,14 +7764,14 @@
           <a:lstStyle/>
           <a:p>
             <a:r>
-              <a:rPr lang="en-US" altLang="zh-CN" sz="3200" b="1" dirty="0" smtClean="0">
+              <a:rPr lang="en-US" altLang="zh-CN" sz="3200" b="1" dirty="0">
                 <a:latin typeface="微软雅黑" panose="020B0503020204020204" pitchFamily="34" charset="-122"/>
                 <a:ea typeface="微软雅黑" panose="020B0503020204020204" pitchFamily="34" charset="-122"/>
               </a:rPr>
               <a:t>VDC</a:t>
             </a:r>
             <a:r>
-              <a:rPr lang="zh-CN" altLang="en-US" sz="3200" b="1" dirty="0" smtClean="0">
+              <a:rPr lang="zh-CN" altLang="en-US" sz="3200" b="1" dirty="0">
                 <a:latin typeface="微软雅黑" panose="020B0503020204020204" pitchFamily="34" charset="-122"/>
                 <a:ea typeface="微软雅黑" panose="020B0503020204020204" pitchFamily="34" charset="-122"/>
               </a:rPr>
@@ -7938,19 +7796,23 @@
           <a:lstStyle/>
           <a:p>
             <a:r>
-              <a:rPr lang="en-US" altLang="en-US" sz="2400" b="1" smtClean="0">
+              <a:rPr lang="en-US" altLang="en-US" sz="2400" b="1" dirty="0" err="1">
                 <a:latin typeface="微软雅黑" panose="020B0503020204020204" pitchFamily="34" charset="-122"/>
                 <a:ea typeface="微软雅黑" panose="020B0503020204020204" pitchFamily="34" charset="-122"/>
               </a:rPr>
               <a:t>客户机配置</a:t>
             </a:r>
+            <a:endParaRPr lang="en-US" altLang="en-US" sz="2400" b="1" dirty="0">
+              <a:latin typeface="微软雅黑" panose="020B0503020204020204" pitchFamily="34" charset="-122"/>
+              <a:ea typeface="微软雅黑" panose="020B0503020204020204" pitchFamily="34" charset="-122"/>
+            </a:endParaRPr>
           </a:p>
           <a:p>
             <a:pPr marL="457200" lvl="1" indent="0">
               <a:buFont typeface="Arial" panose="020B0604020202020204" pitchFamily="34" charset="0"/>
               <a:buNone/>
             </a:pPr>
-            <a:endParaRPr lang="zh-CN" altLang="en-US" sz="1800" smtClean="0">
+            <a:endParaRPr lang="zh-CN" altLang="en-US" sz="1800" dirty="0">
               <a:latin typeface="微软雅黑" panose="020B0503020204020204" pitchFamily="34" charset="-122"/>
               <a:ea typeface="微软雅黑" panose="020B0503020204020204" pitchFamily="34" charset="-122"/>
               <a:sym typeface="宋体" panose="02010600030101010101" pitchFamily="2" charset="-122"/>
@@ -7959,7 +7821,7 @@
           <a:p>
             <a:pPr marL="457200" lvl="1" indent="0"/>
             <a:r>
-              <a:rPr lang="zh-CN" altLang="en-US" sz="2000" smtClean="0">
+              <a:rPr lang="zh-CN" altLang="en-US" sz="2000" dirty="0">
                 <a:latin typeface="微软雅黑" panose="020B0503020204020204" pitchFamily="34" charset="-122"/>
                 <a:ea typeface="微软雅黑" panose="020B0503020204020204" pitchFamily="34" charset="-122"/>
                 <a:sym typeface="宋体" panose="02010600030101010101" pitchFamily="2" charset="-122"/>
@@ -7976,7 +7838,7 @@
               <a:buChar char="•"/>
             </a:pPr>
             <a:r>
-              <a:rPr lang="zh-CN" altLang="en-US" sz="1800" smtClean="0">
+              <a:rPr lang="zh-CN" altLang="en-US" sz="1800" dirty="0">
                 <a:latin typeface="微软雅黑" panose="020B0503020204020204" pitchFamily="34" charset="-122"/>
                 <a:ea typeface="微软雅黑" panose="020B0503020204020204" pitchFamily="34" charset="-122"/>
                 <a:sym typeface="宋体" panose="02010600030101010101" pitchFamily="2" charset="-122"/>
@@ -7987,7 +7849,7 @@
           <a:p>
             <a:pPr marL="457200" lvl="1" indent="0"/>
             <a:r>
-              <a:rPr lang="zh-CN" altLang="en-US" sz="2000" smtClean="0">
+              <a:rPr lang="zh-CN" altLang="en-US" sz="2000" dirty="0">
                 <a:latin typeface="微软雅黑" panose="020B0503020204020204" pitchFamily="34" charset="-122"/>
                 <a:ea typeface="微软雅黑" panose="020B0503020204020204" pitchFamily="34" charset="-122"/>
                 <a:sym typeface="宋体" panose="02010600030101010101" pitchFamily="2" charset="-122"/>
@@ -7998,7 +7860,7 @@
           <a:p>
             <a:pPr lvl="2"/>
             <a:r>
-              <a:rPr lang="zh-CN" altLang="en-US" sz="1800" smtClean="0">
+              <a:rPr lang="zh-CN" altLang="en-US" sz="1800" dirty="0">
                 <a:latin typeface="微软雅黑" panose="020B0503020204020204" pitchFamily="34" charset="-122"/>
                 <a:ea typeface="微软雅黑" panose="020B0503020204020204" pitchFamily="34" charset="-122"/>
                 <a:sym typeface="宋体" panose="02010600030101010101" pitchFamily="2" charset="-122"/>
@@ -8009,7 +7871,7 @@
           <a:p>
             <a:pPr lvl="2"/>
             <a:r>
-              <a:rPr lang="zh-CN" altLang="en-US" sz="1800" smtClean="0">
+              <a:rPr lang="zh-CN" altLang="en-US" sz="1800" dirty="0">
                 <a:latin typeface="微软雅黑" panose="020B0503020204020204" pitchFamily="34" charset="-122"/>
                 <a:ea typeface="微软雅黑" panose="020B0503020204020204" pitchFamily="34" charset="-122"/>
                 <a:sym typeface="宋体" panose="02010600030101010101" pitchFamily="2" charset="-122"/>
@@ -8022,7 +7884,7 @@
               <a:buFont typeface="Arial" panose="020B0604020202020204" pitchFamily="34" charset="0"/>
               <a:buNone/>
             </a:pPr>
-            <a:endParaRPr lang="zh-CN" altLang="en-US" sz="1800" smtClean="0">
+            <a:endParaRPr lang="zh-CN" altLang="en-US" sz="1800" dirty="0">
               <a:latin typeface="微软雅黑" panose="020B0503020204020204" pitchFamily="34" charset="-122"/>
               <a:ea typeface="微软雅黑" panose="020B0503020204020204" pitchFamily="34" charset="-122"/>
               <a:sym typeface="宋体" panose="02010600030101010101" pitchFamily="2" charset="-122"/>
@@ -8030,14 +7892,14 @@
           </a:p>
           <a:p>
             <a:pPr lvl="2"/>
-            <a:endParaRPr lang="en-US" altLang="zh-CN" sz="1800" smtClean="0">
+            <a:endParaRPr lang="en-US" altLang="zh-CN" sz="1800" dirty="0">
               <a:latin typeface="微软雅黑" panose="020B0503020204020204" pitchFamily="34" charset="-122"/>
               <a:ea typeface="微软雅黑" panose="020B0503020204020204" pitchFamily="34" charset="-122"/>
             </a:endParaRPr>
           </a:p>
           <a:p>
             <a:pPr lvl="2"/>
-            <a:endParaRPr lang="zh-CN" altLang="en-US" sz="1800" smtClean="0">
+            <a:endParaRPr lang="zh-CN" altLang="en-US" sz="1800" dirty="0">
               <a:latin typeface="微软雅黑" panose="020B0503020204020204" pitchFamily="34" charset="-122"/>
               <a:ea typeface="微软雅黑" panose="020B0503020204020204" pitchFamily="34" charset="-122"/>
               <a:sym typeface="宋体" panose="02010600030101010101" pitchFamily="2" charset="-122"/>
@@ -8048,7 +7910,7 @@
               <a:buFont typeface="Arial" panose="020B0604020202020204" pitchFamily="34" charset="0"/>
               <a:buNone/>
             </a:pPr>
-            <a:endParaRPr lang="en-US" altLang="en-US" sz="2100" smtClean="0">
+            <a:endParaRPr lang="en-US" altLang="en-US" sz="2100" dirty="0">
               <a:latin typeface="微软雅黑" panose="020B0503020204020204" pitchFamily="34" charset="-122"/>
               <a:ea typeface="微软雅黑" panose="020B0503020204020204" pitchFamily="34" charset="-122"/>
             </a:endParaRPr>
@@ -8058,14 +7920,14 @@
               <a:buFont typeface="Arial" panose="020B0604020202020204" pitchFamily="34" charset="0"/>
               <a:buNone/>
             </a:pPr>
-            <a:endParaRPr lang="en-US" altLang="zh-CN" sz="1800" smtClean="0">
+            <a:endParaRPr lang="en-US" altLang="zh-CN" sz="1800" dirty="0">
               <a:latin typeface="微软雅黑" panose="020B0503020204020204" pitchFamily="34" charset="-122"/>
               <a:ea typeface="微软雅黑" panose="020B0503020204020204" pitchFamily="34" charset="-122"/>
             </a:endParaRPr>
           </a:p>
           <a:p>
             <a:pPr marL="457200" lvl="1" indent="0"/>
-            <a:endParaRPr lang="en-US" altLang="en-US" sz="2100" b="1" smtClean="0">
+            <a:endParaRPr lang="en-US" altLang="en-US" sz="2100" b="1" dirty="0">
               <a:latin typeface="微软雅黑" panose="020B0503020204020204" pitchFamily="34" charset="-122"/>
               <a:ea typeface="微软雅黑" panose="020B0503020204020204" pitchFamily="34" charset="-122"/>
             </a:endParaRPr>
@@ -8075,7 +7937,7 @@
               <a:buFont typeface="Arial" panose="020B0604020202020204" pitchFamily="34" charset="0"/>
               <a:buNone/>
             </a:pPr>
-            <a:endParaRPr lang="en-US" altLang="zh-CN" sz="2000" smtClean="0">
+            <a:endParaRPr lang="en-US" altLang="zh-CN" sz="2000" dirty="0">
               <a:latin typeface="微软雅黑" panose="020B0503020204020204" pitchFamily="34" charset="-122"/>
               <a:ea typeface="微软雅黑" panose="020B0503020204020204" pitchFamily="34" charset="-122"/>
             </a:endParaRPr>
@@ -8092,13 +7954,6 @@
   <p:clrMapOvr>
     <a:masterClrMapping/>
   </p:clrMapOvr>
-  <p:timing>
-    <p:tnLst>
-      <p:par>
-        <p:cTn id="1" dur="indefinite" restart="never" nodeType="tmRoot"/>
-      </p:par>
-    </p:tnLst>
-  </p:timing>
 </p:sld>
 </file>
 
@@ -8305,14 +8160,14 @@
           <a:lstStyle/>
           <a:p>
             <a:r>
-              <a:rPr lang="en-US" altLang="zh-CN" sz="3200" b="1" dirty="0" smtClean="0">
+              <a:rPr lang="en-US" altLang="zh-CN" sz="3200" b="1" dirty="0">
                 <a:latin typeface="微软雅黑" panose="020B0503020204020204" pitchFamily="34" charset="-122"/>
                 <a:ea typeface="微软雅黑" panose="020B0503020204020204" pitchFamily="34" charset="-122"/>
               </a:rPr>
               <a:t>VDC</a:t>
             </a:r>
             <a:r>
-              <a:rPr lang="zh-CN" altLang="en-US" sz="3200" b="1" dirty="0" smtClean="0">
+              <a:rPr lang="zh-CN" altLang="en-US" sz="3200" b="1" dirty="0">
                 <a:latin typeface="微软雅黑" panose="020B0503020204020204" pitchFamily="34" charset="-122"/>
                 <a:ea typeface="微软雅黑" panose="020B0503020204020204" pitchFamily="34" charset="-122"/>
               </a:rPr>
@@ -8336,7 +8191,7 @@
           <a:bodyPr/>
           <a:lstStyle/>
           <a:p>
-            <a:endParaRPr lang="en-US" altLang="zh-CN" sz="2400" b="1" smtClean="0">
+            <a:endParaRPr lang="en-US" altLang="zh-CN" sz="2400" b="1">
               <a:latin typeface="微软雅黑" panose="020B0503020204020204" pitchFamily="34" charset="-122"/>
               <a:ea typeface="微软雅黑" panose="020B0503020204020204" pitchFamily="34" charset="-122"/>
             </a:endParaRPr>
@@ -8346,7 +8201,7 @@
               <a:buFont typeface="Arial" panose="020B0604020202020204" pitchFamily="34" charset="0"/>
               <a:buNone/>
             </a:pPr>
-            <a:endParaRPr lang="en-US" altLang="zh-CN" sz="2000" smtClean="0">
+            <a:endParaRPr lang="en-US" altLang="zh-CN" sz="2000">
               <a:latin typeface="微软雅黑" panose="020B0503020204020204" pitchFamily="34" charset="-122"/>
               <a:ea typeface="微软雅黑" panose="020B0503020204020204" pitchFamily="34" charset="-122"/>
             </a:endParaRPr>
@@ -8430,7 +8285,7 @@
         </p:blipFill>
         <p:spPr bwMode="auto">
           <a:xfrm>
-            <a:off x="401638" y="1339850"/>
+            <a:off x="1240631" y="2042319"/>
             <a:ext cx="6389687" cy="4768850"/>
           </a:xfrm>
           <a:prstGeom prst="rect">
@@ -9044,8 +8899,20 @@
             <a:tbl>
               <a:tblPr/>
               <a:tblGrid>
-                <a:gridCol w="3103563"/>
-                <a:gridCol w="5062537"/>
+                <a:gridCol w="3103563">
+                  <a:extLst>
+                    <a:ext uri="{9D8B030D-6E8A-4147-A177-3AD203B41FA5}">
+                      <a16:colId xmlns:a16="http://schemas.microsoft.com/office/drawing/2014/main" val="20000"/>
+                    </a:ext>
+                  </a:extLst>
+                </a:gridCol>
+                <a:gridCol w="5062537">
+                  <a:extLst>
+                    <a:ext uri="{9D8B030D-6E8A-4147-A177-3AD203B41FA5}">
+                      <a16:colId xmlns:a16="http://schemas.microsoft.com/office/drawing/2014/main" val="20001"/>
+                    </a:ext>
+                  </a:extLst>
+                </a:gridCol>
               </a:tblGrid>
               <a:tr h="711202">
                 <a:tc>
@@ -9372,6 +9239,11 @@
                     </a:solidFill>
                   </a:tcPr>
                 </a:tc>
+                <a:extLst>
+                  <a:ext uri="{0D108BD9-81ED-4DB2-BD59-A6C34878D82A}">
+                    <a16:rowId xmlns:a16="http://schemas.microsoft.com/office/drawing/2014/main" val="10000"/>
+                  </a:ext>
+                </a:extLst>
               </a:tr>
               <a:tr h="1066787">
                 <a:tc>
@@ -9766,6 +9638,11 @@
                     </a:solidFill>
                   </a:tcPr>
                 </a:tc>
+                <a:extLst>
+                  <a:ext uri="{0D108BD9-81ED-4DB2-BD59-A6C34878D82A}">
+                    <a16:rowId xmlns:a16="http://schemas.microsoft.com/office/drawing/2014/main" val="10001"/>
+                  </a:ext>
+                </a:extLst>
               </a:tr>
               <a:tr h="1077916">
                 <a:tc>
@@ -10197,6 +10074,11 @@
                     </a:solidFill>
                   </a:tcPr>
                 </a:tc>
+                <a:extLst>
+                  <a:ext uri="{0D108BD9-81ED-4DB2-BD59-A6C34878D82A}">
+                    <a16:rowId xmlns:a16="http://schemas.microsoft.com/office/drawing/2014/main" val="10002"/>
+                  </a:ext>
+                </a:extLst>
               </a:tr>
               <a:tr h="1071565">
                 <a:tc>
@@ -10574,6 +10456,11 @@
                     </a:solidFill>
                   </a:tcPr>
                 </a:tc>
+                <a:extLst>
+                  <a:ext uri="{0D108BD9-81ED-4DB2-BD59-A6C34878D82A}">
+                    <a16:rowId xmlns:a16="http://schemas.microsoft.com/office/drawing/2014/main" val="10003"/>
+                  </a:ext>
+                </a:extLst>
               </a:tr>
               <a:tr h="1257304">
                 <a:tc>
@@ -10951,6 +10838,11 @@
                     </a:solidFill>
                   </a:tcPr>
                 </a:tc>
+                <a:extLst>
+                  <a:ext uri="{0D108BD9-81ED-4DB2-BD59-A6C34878D82A}">
+                    <a16:rowId xmlns:a16="http://schemas.microsoft.com/office/drawing/2014/main" val="10004"/>
+                  </a:ext>
+                </a:extLst>
               </a:tr>
             </a:tbl>
           </a:graphicData>
@@ -10966,13 +10858,6 @@
   <p:clrMapOvr>
     <a:masterClrMapping/>
   </p:clrMapOvr>
-  <p:timing>
-    <p:tnLst>
-      <p:par>
-        <p:cTn id="1" dur="indefinite" restart="never" nodeType="tmRoot"/>
-      </p:par>
-    </p:tnLst>
-  </p:timing>
 </p:sld>
 </file>
 
@@ -11179,14 +11064,14 @@
           <a:lstStyle/>
           <a:p>
             <a:r>
-              <a:rPr lang="en-US" altLang="zh-CN" sz="3200" b="1" dirty="0" smtClean="0">
+              <a:rPr lang="en-US" altLang="zh-CN" sz="3200" b="1" dirty="0">
                 <a:latin typeface="微软雅黑" panose="020B0503020204020204" pitchFamily="34" charset="-122"/>
                 <a:ea typeface="微软雅黑" panose="020B0503020204020204" pitchFamily="34" charset="-122"/>
               </a:rPr>
               <a:t>VDC</a:t>
             </a:r>
             <a:r>
-              <a:rPr lang="zh-CN" altLang="en-US" sz="3200" b="1" dirty="0" smtClean="0">
+              <a:rPr lang="zh-CN" altLang="en-US" sz="3200" b="1" dirty="0">
                 <a:latin typeface="微软雅黑" panose="020B0503020204020204" pitchFamily="34" charset="-122"/>
                 <a:ea typeface="微软雅黑" panose="020B0503020204020204" pitchFamily="34" charset="-122"/>
               </a:rPr>
@@ -11454,13 +11339,6 @@
   <p:clrMapOvr>
     <a:masterClrMapping/>
   </p:clrMapOvr>
-  <p:timing>
-    <p:tnLst>
-      <p:par>
-        <p:cTn id="1" dur="indefinite" restart="never" nodeType="tmRoot"/>
-      </p:par>
-    </p:tnLst>
-  </p:timing>
 </p:sld>
 </file>
 
@@ -11667,14 +11545,14 @@
           <a:lstStyle/>
           <a:p>
             <a:r>
-              <a:rPr lang="en-US" altLang="zh-CN" sz="3200" b="1" dirty="0" smtClean="0">
+              <a:rPr lang="en-US" altLang="zh-CN" sz="3200" b="1" dirty="0">
                 <a:latin typeface="微软雅黑" panose="020B0503020204020204" pitchFamily="34" charset="-122"/>
                 <a:ea typeface="微软雅黑" panose="020B0503020204020204" pitchFamily="34" charset="-122"/>
               </a:rPr>
               <a:t>VDC</a:t>
             </a:r>
             <a:r>
-              <a:rPr lang="zh-CN" altLang="en-US" sz="3200" b="1" dirty="0" smtClean="0">
+              <a:rPr lang="zh-CN" altLang="en-US" sz="3200" b="1" dirty="0">
                 <a:latin typeface="微软雅黑" panose="020B0503020204020204" pitchFamily="34" charset="-122"/>
                 <a:ea typeface="微软雅黑" panose="020B0503020204020204" pitchFamily="34" charset="-122"/>
               </a:rPr>
@@ -11698,7 +11576,7 @@
           <a:bodyPr/>
           <a:lstStyle/>
           <a:p>
-            <a:endParaRPr lang="en-US" altLang="zh-CN" sz="2400" b="1" smtClean="0">
+            <a:endParaRPr lang="en-US" altLang="zh-CN" sz="2400" b="1">
               <a:latin typeface="微软雅黑" panose="020B0503020204020204" pitchFamily="34" charset="-122"/>
               <a:ea typeface="微软雅黑" panose="020B0503020204020204" pitchFamily="34" charset="-122"/>
             </a:endParaRPr>
@@ -11708,7 +11586,7 @@
               <a:buFont typeface="Arial" panose="020B0604020202020204" pitchFamily="34" charset="0"/>
               <a:buNone/>
             </a:pPr>
-            <a:endParaRPr lang="en-US" altLang="zh-CN" sz="2000" smtClean="0">
+            <a:endParaRPr lang="en-US" altLang="zh-CN" sz="2000">
               <a:latin typeface="微软雅黑" panose="020B0503020204020204" pitchFamily="34" charset="-122"/>
               <a:ea typeface="微软雅黑" panose="020B0503020204020204" pitchFamily="34" charset="-122"/>
             </a:endParaRPr>
@@ -11779,13 +11657,6 @@
   <p:clrMapOvr>
     <a:masterClrMapping/>
   </p:clrMapOvr>
-  <p:timing>
-    <p:tnLst>
-      <p:par>
-        <p:cTn id="1" dur="indefinite" restart="never" nodeType="tmRoot"/>
-      </p:par>
-    </p:tnLst>
-  </p:timing>
 </p:sld>
 </file>
 
@@ -11992,14 +11863,14 @@
           <a:lstStyle/>
           <a:p>
             <a:r>
-              <a:rPr lang="en-US" altLang="zh-CN" sz="3200" b="1" dirty="0" smtClean="0">
+              <a:rPr lang="en-US" altLang="zh-CN" sz="3200" b="1" dirty="0">
                 <a:latin typeface="微软雅黑" panose="020B0503020204020204" pitchFamily="34" charset="-122"/>
                 <a:ea typeface="微软雅黑" panose="020B0503020204020204" pitchFamily="34" charset="-122"/>
               </a:rPr>
               <a:t>VDC</a:t>
             </a:r>
             <a:r>
-              <a:rPr lang="zh-CN" altLang="en-US" sz="3200" b="1" dirty="0" smtClean="0">
+              <a:rPr lang="zh-CN" altLang="en-US" sz="3200" b="1" dirty="0">
                 <a:latin typeface="微软雅黑" panose="020B0503020204020204" pitchFamily="34" charset="-122"/>
                 <a:ea typeface="微软雅黑" panose="020B0503020204020204" pitchFamily="34" charset="-122"/>
               </a:rPr>
@@ -12205,13 +12076,6 @@
   <p:clrMapOvr>
     <a:masterClrMapping/>
   </p:clrMapOvr>
-  <p:timing>
-    <p:tnLst>
-      <p:par>
-        <p:cTn id="1" dur="indefinite" restart="never" nodeType="tmRoot"/>
-      </p:par>
-    </p:tnLst>
-  </p:timing>
 </p:sld>
 </file>
 
@@ -12687,7 +12551,7 @@
           <a:lstStyle/>
           <a:p>
             <a:r>
-              <a:rPr lang="en-US" altLang="zh-CN" sz="1400" dirty="0" smtClean="0">
+              <a:rPr lang="en-US" altLang="zh-CN" sz="1400" dirty="0">
                 <a:solidFill>
                   <a:srgbClr val="A5A5A5"/>
                 </a:solidFill>
@@ -12698,7 +12562,7 @@
               <a:t>VDC</a:t>
             </a:r>
             <a:r>
-              <a:rPr lang="zh-CN" altLang="en-US" sz="1400" dirty="0" smtClean="0">
+              <a:rPr lang="zh-CN" altLang="en-US" sz="1400" dirty="0">
                 <a:solidFill>
                   <a:srgbClr val="A5A5A5"/>
                 </a:solidFill>
@@ -12826,7 +12690,7 @@
           <a:lstStyle/>
           <a:p>
             <a:r>
-              <a:rPr lang="zh-CN" altLang="en-US" sz="1400" dirty="0" smtClean="0">
+              <a:rPr lang="zh-CN" altLang="en-US" sz="1400" dirty="0">
                 <a:solidFill>
                   <a:srgbClr val="A5A5A5"/>
                 </a:solidFill>
@@ -13058,13 +12922,6 @@
   <p:clrMapOvr>
     <a:masterClrMapping/>
   </p:clrMapOvr>
-  <p:timing>
-    <p:tnLst>
-      <p:par>
-        <p:cTn id="1" dur="indefinite" restart="never" nodeType="tmRoot"/>
-      </p:par>
-    </p:tnLst>
-  </p:timing>
 </p:sld>
 </file>
 
@@ -13157,14 +13014,14 @@
           </a:ln>
           <a:extLst>
             <a:ext uri="{909E8E84-426E-40dd-AFC4-6F175D3DCCD1}">
-              <a14:hiddenFill xmlns="" xmlns:a14="http://schemas.microsoft.com/office/drawing/2010/main">
+              <a14:hiddenFill xmlns:a14="http://schemas.microsoft.com/office/drawing/2010/main" xmlns="">
                 <a:solidFill>
                   <a:srgbClr val="FFFFFF"/>
                 </a:solidFill>
               </a14:hiddenFill>
             </a:ext>
             <a:ext uri="{91240B29-F687-4f45-9708-019B960494DF}">
-              <a14:hiddenLine xmlns="" xmlns:a14="http://schemas.microsoft.com/office/drawing/2010/main" w="9525">
+              <a14:hiddenLine xmlns:a14="http://schemas.microsoft.com/office/drawing/2010/main" xmlns="" w="9525">
                 <a:solidFill>
                   <a:srgbClr val="000000"/>
                 </a:solidFill>
@@ -13366,13 +13223,6 @@
   <p:clrMapOvr>
     <a:masterClrMapping/>
   </p:clrMapOvr>
-  <p:timing>
-    <p:tnLst>
-      <p:par>
-        <p:cTn id="1" dur="indefinite" restart="never" nodeType="tmRoot"/>
-      </p:par>
-    </p:tnLst>
-  </p:timing>
 </p:sld>
 </file>
 
@@ -13579,7 +13429,7 @@
           <a:lstStyle/>
           <a:p>
             <a:r>
-              <a:rPr lang="zh-CN" altLang="en-US" sz="3200" b="1" dirty="0" smtClean="0">
+              <a:rPr lang="zh-CN" altLang="en-US" sz="3200" b="1" dirty="0">
                 <a:latin typeface="微软雅黑" panose="020B0503020204020204" pitchFamily="34" charset="-122"/>
                 <a:ea typeface="微软雅黑" panose="020B0503020204020204" pitchFamily="34" charset="-122"/>
               </a:rPr>
@@ -13675,13 +13525,6 @@
   <p:clrMapOvr>
     <a:masterClrMapping/>
   </p:clrMapOvr>
-  <p:timing>
-    <p:tnLst>
-      <p:par>
-        <p:cTn id="1" dur="indefinite" restart="never" nodeType="tmRoot"/>
-      </p:par>
-    </p:tnLst>
-  </p:timing>
 </p:sld>
 </file>
 
@@ -13888,7 +13731,7 @@
           <a:lstStyle/>
           <a:p>
             <a:r>
-              <a:rPr lang="zh-CN" altLang="en-US" sz="3200" b="1" dirty="0" smtClean="0">
+              <a:rPr lang="zh-CN" altLang="en-US" sz="3200" b="1" dirty="0">
                 <a:latin typeface="微软雅黑" panose="020B0503020204020204" pitchFamily="34" charset="-122"/>
                 <a:ea typeface="微软雅黑" panose="020B0503020204020204" pitchFamily="34" charset="-122"/>
               </a:rPr>
@@ -14284,7 +14127,7 @@
           <a:lstStyle/>
           <a:p>
             <a:r>
-              <a:rPr lang="zh-CN" altLang="en-US" sz="3200" b="1" dirty="0" smtClean="0">
+              <a:rPr lang="zh-CN" altLang="en-US" sz="3200" b="1" dirty="0">
                 <a:latin typeface="微软雅黑" panose="020B0503020204020204" pitchFamily="34" charset="-122"/>
                 <a:ea typeface="微软雅黑" panose="020B0503020204020204" pitchFamily="34" charset="-122"/>
               </a:rPr>
@@ -14309,21 +14152,21 @@
           <a:lstStyle/>
           <a:p>
             <a:r>
-              <a:rPr lang="zh-CN" altLang="en-US" sz="2400" b="1" smtClean="0">
+              <a:rPr lang="zh-CN" altLang="en-US" sz="2400" b="1">
                 <a:latin typeface="微软雅黑" panose="020B0503020204020204" pitchFamily="34" charset="-122"/>
                 <a:ea typeface="微软雅黑" panose="020B0503020204020204" pitchFamily="34" charset="-122"/>
               </a:rPr>
               <a:t>安装</a:t>
             </a:r>
             <a:r>
-              <a:rPr lang="zh-CN" altLang="en-US" sz="2400" smtClean="0">
+              <a:rPr lang="zh-CN" altLang="en-US" sz="2400">
                 <a:latin typeface="微软雅黑" panose="020B0503020204020204" pitchFamily="34" charset="-122"/>
                 <a:ea typeface="微软雅黑" panose="020B0503020204020204" pitchFamily="34" charset="-122"/>
                 <a:sym typeface="宋体" panose="02010600030101010101" pitchFamily="2" charset="-122"/>
               </a:rPr>
               <a:t>SFRemoteAppServerInstall.exe</a:t>
             </a:r>
-            <a:endParaRPr lang="zh-CN" altLang="en-US" sz="2400" b="1" smtClean="0">
+            <a:endParaRPr lang="zh-CN" altLang="en-US" sz="2400" b="1">
               <a:latin typeface="微软雅黑" panose="020B0503020204020204" pitchFamily="34" charset="-122"/>
               <a:ea typeface="微软雅黑" panose="020B0503020204020204" pitchFamily="34" charset="-122"/>
             </a:endParaRPr>
@@ -14333,7 +14176,7 @@
               <a:buFont typeface="Arial" panose="020B0604020202020204" pitchFamily="34" charset="0"/>
               <a:buNone/>
             </a:pPr>
-            <a:endParaRPr lang="en-US" altLang="zh-CN" sz="2000" smtClean="0">
+            <a:endParaRPr lang="en-US" altLang="zh-CN" sz="2000">
               <a:latin typeface="微软雅黑" panose="020B0503020204020204" pitchFamily="34" charset="-122"/>
               <a:ea typeface="微软雅黑" panose="020B0503020204020204" pitchFamily="34" charset="-122"/>
             </a:endParaRPr>
@@ -14404,13 +14247,6 @@
   <p:clrMapOvr>
     <a:masterClrMapping/>
   </p:clrMapOvr>
-  <p:timing>
-    <p:tnLst>
-      <p:par>
-        <p:cTn id="1" dur="indefinite" restart="never" nodeType="tmRoot"/>
-      </p:par>
-    </p:tnLst>
-  </p:timing>
 </p:sld>
 </file>
 
@@ -14617,7 +14453,7 @@
           <a:lstStyle/>
           <a:p>
             <a:r>
-              <a:rPr lang="zh-CN" altLang="en-US" sz="3200" b="1" dirty="0" smtClean="0">
+              <a:rPr lang="zh-CN" altLang="en-US" sz="3200" b="1" dirty="0">
                 <a:latin typeface="微软雅黑" panose="020B0503020204020204" pitchFamily="34" charset="-122"/>
                 <a:ea typeface="微软雅黑" panose="020B0503020204020204" pitchFamily="34" charset="-122"/>
               </a:rPr>
@@ -15033,7 +14869,7 @@
           <a:lstStyle/>
           <a:p>
             <a:r>
-              <a:rPr lang="zh-CN" altLang="en-US" sz="3200" b="1" dirty="0" smtClean="0">
+              <a:rPr lang="zh-CN" altLang="en-US" sz="3200" b="1" dirty="0">
                 <a:latin typeface="微软雅黑" panose="020B0503020204020204" pitchFamily="34" charset="-122"/>
                 <a:ea typeface="微软雅黑" panose="020B0503020204020204" pitchFamily="34" charset="-122"/>
               </a:rPr>
@@ -15058,7 +14894,7 @@
           <a:lstStyle/>
           <a:p>
             <a:r>
-              <a:rPr lang="zh-CN" altLang="en-US" sz="2400" b="1" smtClean="0">
+              <a:rPr lang="zh-CN" altLang="en-US" sz="2400" b="1">
                 <a:latin typeface="微软雅黑" panose="020B0503020204020204" pitchFamily="34" charset="-122"/>
                 <a:ea typeface="微软雅黑" panose="020B0503020204020204" pitchFamily="34" charset="-122"/>
               </a:rPr>
@@ -15070,7 +14906,7 @@
               <a:buFont typeface="Arial" panose="020B0604020202020204" pitchFamily="34" charset="0"/>
               <a:buNone/>
             </a:pPr>
-            <a:endParaRPr lang="en-US" altLang="zh-CN" sz="2000" smtClean="0">
+            <a:endParaRPr lang="en-US" altLang="zh-CN" sz="2000">
               <a:latin typeface="微软雅黑" panose="020B0503020204020204" pitchFamily="34" charset="-122"/>
               <a:ea typeface="微软雅黑" panose="020B0503020204020204" pitchFamily="34" charset="-122"/>
             </a:endParaRPr>
@@ -15702,7 +15538,7 @@
           </a:lstStyle>
           <a:p>
             <a:r>
-              <a:rPr lang="zh-CN" altLang="en-US" sz="1400" dirty="0" smtClean="0">
+              <a:rPr lang="zh-CN" altLang="en-US" sz="1400" dirty="0">
                 <a:solidFill>
                   <a:srgbClr val="1D3994"/>
                 </a:solidFill>
@@ -15713,7 +15549,7 @@
               <a:t>软件</a:t>
             </a:r>
             <a:r>
-              <a:rPr lang="en-US" altLang="zh-CN" sz="1400" dirty="0" smtClean="0">
+              <a:rPr lang="en-US" altLang="zh-CN" sz="1400" dirty="0">
                 <a:solidFill>
                   <a:srgbClr val="1D3994"/>
                 </a:solidFill>
@@ -15724,7 +15560,7 @@
               <a:t>VDC</a:t>
             </a:r>
             <a:r>
-              <a:rPr lang="zh-CN" altLang="en-US" sz="1400" dirty="0" smtClean="0">
+              <a:rPr lang="zh-CN" altLang="en-US" sz="1400" dirty="0">
                 <a:solidFill>
                   <a:srgbClr val="1D3994"/>
                 </a:solidFill>
@@ -15785,7 +15621,7 @@
           <a:lstStyle/>
           <a:p>
             <a:r>
-              <a:rPr lang="en-US" altLang="zh-CN" sz="1400" dirty="0" smtClean="0">
+              <a:rPr lang="en-US" altLang="zh-CN" sz="1400" dirty="0">
                 <a:solidFill>
                   <a:srgbClr val="A5A5A5"/>
                 </a:solidFill>
@@ -15796,7 +15632,7 @@
               <a:t>VDC</a:t>
             </a:r>
             <a:r>
-              <a:rPr lang="zh-CN" altLang="en-US" sz="1400" dirty="0" smtClean="0">
+              <a:rPr lang="zh-CN" altLang="en-US" sz="1400" dirty="0">
                 <a:solidFill>
                   <a:srgbClr val="A5A5A5"/>
                 </a:solidFill>
@@ -15857,7 +15693,7 @@
           <a:lstStyle/>
           <a:p>
             <a:r>
-              <a:rPr lang="zh-CN" altLang="en-US" sz="1400" dirty="0" smtClean="0">
+              <a:rPr lang="zh-CN" altLang="en-US" sz="1400" dirty="0">
                 <a:solidFill>
                   <a:srgbClr val="A5A5A5"/>
                 </a:solidFill>
@@ -15918,7 +15754,7 @@
           <a:lstStyle/>
           <a:p>
             <a:r>
-              <a:rPr lang="zh-CN" altLang="en-US" sz="1400" dirty="0" smtClean="0">
+              <a:rPr lang="zh-CN" altLang="en-US" sz="1400" dirty="0">
                 <a:solidFill>
                   <a:srgbClr val="A5A5A5"/>
                 </a:solidFill>
@@ -16150,13 +15986,6 @@
   <p:clrMapOvr>
     <a:masterClrMapping/>
   </p:clrMapOvr>
-  <p:timing>
-    <p:tnLst>
-      <p:par>
-        <p:cTn id="1" dur="indefinite" restart="never" nodeType="tmRoot"/>
-      </p:par>
-    </p:tnLst>
-  </p:timing>
 </p:sld>
 </file>
 
@@ -16363,7 +16192,7 @@
           <a:lstStyle/>
           <a:p>
             <a:r>
-              <a:rPr lang="zh-CN" altLang="en-US" sz="3200" b="1" dirty="0" smtClean="0">
+              <a:rPr lang="zh-CN" altLang="en-US" sz="3200" b="1" dirty="0">
                 <a:latin typeface="微软雅黑" panose="020B0503020204020204" pitchFamily="34" charset="-122"/>
                 <a:ea typeface="微软雅黑" panose="020B0503020204020204" pitchFamily="34" charset="-122"/>
               </a:rPr>
@@ -16770,7 +16599,7 @@
           <a:lstStyle/>
           <a:p>
             <a:r>
-              <a:rPr lang="zh-CN" altLang="en-US" sz="3200" b="1" dirty="0" smtClean="0">
+              <a:rPr lang="zh-CN" altLang="en-US" sz="3200" b="1" dirty="0">
                 <a:latin typeface="微软雅黑" panose="020B0503020204020204" pitchFamily="34" charset="-122"/>
                 <a:ea typeface="微软雅黑" panose="020B0503020204020204" pitchFamily="34" charset="-122"/>
               </a:rPr>
@@ -16795,7 +16624,7 @@
           <a:lstStyle/>
           <a:p>
             <a:r>
-              <a:rPr lang="zh-CN" altLang="en-US" sz="2400" b="1" smtClean="0">
+              <a:rPr lang="zh-CN" altLang="en-US" sz="2400" b="1">
                 <a:latin typeface="微软雅黑" panose="020B0503020204020204" pitchFamily="34" charset="-122"/>
                 <a:ea typeface="微软雅黑" panose="020B0503020204020204" pitchFamily="34" charset="-122"/>
               </a:rPr>
@@ -16807,7 +16636,7 @@
               <a:buFont typeface="Arial" panose="020B0604020202020204" pitchFamily="34" charset="0"/>
               <a:buNone/>
             </a:pPr>
-            <a:endParaRPr lang="en-US" altLang="zh-CN" sz="2000" smtClean="0">
+            <a:endParaRPr lang="en-US" altLang="zh-CN" sz="2000">
               <a:latin typeface="微软雅黑" panose="020B0503020204020204" pitchFamily="34" charset="-122"/>
               <a:ea typeface="微软雅黑" panose="020B0503020204020204" pitchFamily="34" charset="-122"/>
             </a:endParaRPr>
@@ -17259,7 +17088,7 @@
           <a:lstStyle/>
           <a:p>
             <a:r>
-              <a:rPr lang="zh-CN" altLang="en-US" sz="3200" b="1" dirty="0" smtClean="0">
+              <a:rPr lang="zh-CN" altLang="en-US" sz="3200" b="1" dirty="0">
                 <a:latin typeface="微软雅黑" panose="020B0503020204020204" pitchFamily="34" charset="-122"/>
                 <a:ea typeface="微软雅黑" panose="020B0503020204020204" pitchFamily="34" charset="-122"/>
               </a:rPr>
@@ -17360,13 +17189,6 @@
   <p:clrMapOvr>
     <a:masterClrMapping/>
   </p:clrMapOvr>
-  <p:timing>
-    <p:tnLst>
-      <p:par>
-        <p:cTn id="1" dur="indefinite" restart="never" nodeType="tmRoot"/>
-      </p:par>
-    </p:tnLst>
-  </p:timing>
 </p:sld>
 </file>
 
@@ -17573,7 +17395,7 @@
           <a:lstStyle/>
           <a:p>
             <a:r>
-              <a:rPr lang="zh-CN" altLang="en-US" sz="3200" b="1" dirty="0" smtClean="0">
+              <a:rPr lang="zh-CN" altLang="en-US" sz="3200" b="1" dirty="0">
                 <a:latin typeface="微软雅黑" panose="020B0503020204020204" pitchFamily="34" charset="-122"/>
                 <a:ea typeface="微软雅黑" panose="020B0503020204020204" pitchFamily="34" charset="-122"/>
               </a:rPr>
@@ -17598,7 +17420,7 @@
           <a:lstStyle/>
           <a:p>
             <a:r>
-              <a:rPr lang="zh-CN" altLang="en-US" sz="2400" b="1" smtClean="0">
+              <a:rPr lang="zh-CN" altLang="en-US" sz="2400" b="1">
                 <a:latin typeface="微软雅黑" panose="020B0503020204020204" pitchFamily="34" charset="-122"/>
                 <a:ea typeface="微软雅黑" panose="020B0503020204020204" pitchFamily="34" charset="-122"/>
               </a:rPr>
@@ -17608,7 +17430,7 @@
           <a:p>
             <a:pPr lvl="1"/>
             <a:r>
-              <a:rPr lang="zh-CN" altLang="en-US" sz="2000" smtClean="0">
+              <a:rPr lang="zh-CN" altLang="en-US" sz="2000">
                 <a:latin typeface="微软雅黑" panose="020B0503020204020204" pitchFamily="34" charset="-122"/>
                 <a:ea typeface="微软雅黑" panose="020B0503020204020204" pitchFamily="34" charset="-122"/>
               </a:rPr>
@@ -17618,7 +17440,7 @@
           <a:p>
             <a:pPr lvl="1"/>
             <a:r>
-              <a:rPr lang="zh-CN" altLang="en-US" sz="2000" smtClean="0">
+              <a:rPr lang="zh-CN" altLang="en-US" sz="2000">
                 <a:latin typeface="微软雅黑" panose="020B0503020204020204" pitchFamily="34" charset="-122"/>
                 <a:ea typeface="微软雅黑" panose="020B0503020204020204" pitchFamily="34" charset="-122"/>
               </a:rPr>
@@ -17628,7 +17450,7 @@
           <a:p>
             <a:pPr lvl="1"/>
             <a:r>
-              <a:rPr lang="zh-CN" altLang="en-US" sz="2000" smtClean="0">
+              <a:rPr lang="zh-CN" altLang="en-US" sz="2000">
                 <a:latin typeface="微软雅黑" panose="020B0503020204020204" pitchFamily="34" charset="-122"/>
                 <a:ea typeface="微软雅黑" panose="020B0503020204020204" pitchFamily="34" charset="-122"/>
               </a:rPr>
@@ -17638,7 +17460,7 @@
           <a:p>
             <a:pPr lvl="1"/>
             <a:r>
-              <a:rPr lang="zh-CN" altLang="en-US" sz="2000" smtClean="0">
+              <a:rPr lang="zh-CN" altLang="en-US" sz="2000">
                 <a:latin typeface="微软雅黑" panose="020B0503020204020204" pitchFamily="34" charset="-122"/>
                 <a:ea typeface="微软雅黑" panose="020B0503020204020204" pitchFamily="34" charset="-122"/>
               </a:rPr>
@@ -17938,7 +17760,7 @@
           <a:lstStyle/>
           <a:p>
             <a:r>
-              <a:rPr lang="zh-CN" altLang="en-US" sz="3200" b="1" dirty="0" smtClean="0">
+              <a:rPr lang="zh-CN" altLang="en-US" sz="3200" b="1" dirty="0">
                 <a:latin typeface="微软雅黑" panose="020B0503020204020204" pitchFamily="34" charset="-122"/>
                 <a:ea typeface="微软雅黑" panose="020B0503020204020204" pitchFamily="34" charset="-122"/>
               </a:rPr>
@@ -17963,7 +17785,7 @@
           <a:lstStyle/>
           <a:p>
             <a:r>
-              <a:rPr lang="zh-CN" altLang="en-US" sz="2400" b="1" smtClean="0">
+              <a:rPr lang="zh-CN" altLang="en-US" sz="2400" b="1">
                 <a:latin typeface="微软雅黑" panose="020B0503020204020204" pitchFamily="34" charset="-122"/>
                 <a:ea typeface="微软雅黑" panose="020B0503020204020204" pitchFamily="34" charset="-122"/>
               </a:rPr>
@@ -17975,7 +17797,7 @@
               <a:buFont typeface="Arial" panose="020B0604020202020204" pitchFamily="34" charset="0"/>
               <a:buNone/>
             </a:pPr>
-            <a:endParaRPr lang="en-US" altLang="zh-CN" sz="2000" smtClean="0">
+            <a:endParaRPr lang="en-US" altLang="zh-CN" sz="2000">
               <a:latin typeface="微软雅黑" panose="020B0503020204020204" pitchFamily="34" charset="-122"/>
               <a:ea typeface="微软雅黑" panose="020B0503020204020204" pitchFamily="34" charset="-122"/>
             </a:endParaRPr>
@@ -18427,7 +18249,7 @@
           <a:lstStyle/>
           <a:p>
             <a:r>
-              <a:rPr lang="zh-CN" altLang="en-US" sz="3200" b="1" dirty="0" smtClean="0">
+              <a:rPr lang="zh-CN" altLang="en-US" sz="3200" b="1" dirty="0">
                 <a:latin typeface="微软雅黑" panose="020B0503020204020204" pitchFamily="34" charset="-122"/>
                 <a:ea typeface="微软雅黑" panose="020B0503020204020204" pitchFamily="34" charset="-122"/>
               </a:rPr>
@@ -18452,7 +18274,7 @@
           <a:lstStyle/>
           <a:p>
             <a:r>
-              <a:rPr lang="zh-CN" altLang="en-US" sz="2400" b="1" smtClean="0">
+              <a:rPr lang="zh-CN" altLang="en-US" sz="2400" b="1">
                 <a:latin typeface="微软雅黑" panose="020B0503020204020204" pitchFamily="34" charset="-122"/>
                 <a:ea typeface="微软雅黑" panose="020B0503020204020204" pitchFamily="34" charset="-122"/>
               </a:rPr>
@@ -18462,7 +18284,7 @@
           <a:p>
             <a:pPr lvl="1"/>
             <a:r>
-              <a:rPr lang="zh-CN" altLang="en-US" sz="2000" smtClean="0">
+              <a:rPr lang="zh-CN" altLang="en-US" sz="2000">
                 <a:latin typeface="微软雅黑" panose="020B0503020204020204" pitchFamily="34" charset="-122"/>
                 <a:ea typeface="微软雅黑" panose="020B0503020204020204" pitchFamily="34" charset="-122"/>
               </a:rPr>
@@ -18472,7 +18294,7 @@
           <a:p>
             <a:pPr lvl="1"/>
             <a:r>
-              <a:rPr lang="zh-CN" altLang="en-US" sz="2000" smtClean="0">
+              <a:rPr lang="zh-CN" altLang="en-US" sz="2000">
                 <a:latin typeface="微软雅黑" panose="020B0503020204020204" pitchFamily="34" charset="-122"/>
                 <a:ea typeface="微软雅黑" panose="020B0503020204020204" pitchFamily="34" charset="-122"/>
               </a:rPr>
@@ -18482,7 +18304,7 @@
           <a:p>
             <a:pPr lvl="1"/>
             <a:r>
-              <a:rPr lang="zh-CN" altLang="en-US" sz="2000" smtClean="0">
+              <a:rPr lang="zh-CN" altLang="en-US" sz="2000">
                 <a:latin typeface="微软雅黑" panose="020B0503020204020204" pitchFamily="34" charset="-122"/>
                 <a:ea typeface="微软雅黑" panose="020B0503020204020204" pitchFamily="34" charset="-122"/>
               </a:rPr>
@@ -18492,7 +18314,7 @@
           <a:p>
             <a:pPr lvl="1"/>
             <a:r>
-              <a:rPr lang="zh-CN" altLang="en-US" sz="2000" smtClean="0">
+              <a:rPr lang="zh-CN" altLang="en-US" sz="2000">
                 <a:latin typeface="微软雅黑" panose="020B0503020204020204" pitchFamily="34" charset="-122"/>
                 <a:ea typeface="微软雅黑" panose="020B0503020204020204" pitchFamily="34" charset="-122"/>
               </a:rPr>
@@ -18792,7 +18614,7 @@
           <a:lstStyle/>
           <a:p>
             <a:r>
-              <a:rPr lang="zh-CN" altLang="en-US" sz="3200" b="1" dirty="0" smtClean="0">
+              <a:rPr lang="zh-CN" altLang="en-US" sz="3200" b="1" dirty="0">
                 <a:latin typeface="微软雅黑" panose="020B0503020204020204" pitchFamily="34" charset="-122"/>
                 <a:ea typeface="微软雅黑" panose="020B0503020204020204" pitchFamily="34" charset="-122"/>
               </a:rPr>
@@ -18852,91 +18674,63 @@
                 <a:latin typeface="微软雅黑" panose="020B0503020204020204" pitchFamily="34" charset="-122"/>
                 <a:ea typeface="微软雅黑" panose="020B0503020204020204" pitchFamily="34" charset="-122"/>
               </a:rPr>
-              <a:t>派生出来的虚拟机会以该名称为基础，加上自动编号，作为虚拟机的名称和虚拟机操作系统的计算机名。如虚拟机名称为test，则派生虚拟机的名称为test</a:t>
-            </a:r>
-            <a:r>
-              <a:rPr lang="zh-CN" altLang="en-US" sz="1600" noProof="1" smtClean="0">
-                <a:latin typeface="微软雅黑" panose="020B0503020204020204" pitchFamily="34" charset="-122"/>
-                <a:ea typeface="微软雅黑" panose="020B0503020204020204" pitchFamily="34" charset="-122"/>
-              </a:rPr>
-              <a:t>0</a:t>
-            </a:r>
-            <a:r>
-              <a:rPr lang="en-US" altLang="zh-CN" sz="1600" noProof="1" smtClean="0">
+              <a:t>派生出来的虚拟机会以该名称为基础，加上自动编号，作为虚拟机的名称和虚拟机操作系统的计算机名。如虚拟机名称为test，则派生虚拟机的名称为test0</a:t>
+            </a:r>
+            <a:r>
+              <a:rPr lang="en-US" altLang="zh-CN" sz="1600" noProof="1">
                 <a:latin typeface="微软雅黑" panose="020B0503020204020204" pitchFamily="34" charset="-122"/>
                 <a:ea typeface="微软雅黑" panose="020B0503020204020204" pitchFamily="34" charset="-122"/>
               </a:rPr>
               <a:t>001</a:t>
             </a:r>
             <a:r>
-              <a:rPr lang="zh-CN" altLang="en-US" sz="1600" noProof="1" smtClean="0">
+              <a:rPr lang="zh-CN" altLang="en-US" sz="1600" noProof="1">
                 <a:latin typeface="微软雅黑" panose="020B0503020204020204" pitchFamily="34" charset="-122"/>
                 <a:ea typeface="微软雅黑" panose="020B0503020204020204" pitchFamily="34" charset="-122"/>
               </a:rPr>
               <a:t>,test</a:t>
             </a:r>
             <a:r>
-              <a:rPr lang="en-US" altLang="zh-CN" sz="1600" noProof="1" smtClean="0">
+              <a:rPr lang="en-US" altLang="zh-CN" sz="1600" noProof="1">
                 <a:latin typeface="微软雅黑" panose="020B0503020204020204" pitchFamily="34" charset="-122"/>
                 <a:ea typeface="微软雅黑" panose="020B0503020204020204" pitchFamily="34" charset="-122"/>
               </a:rPr>
               <a:t>0002</a:t>
             </a:r>
             <a:r>
-              <a:rPr lang="zh-CN" altLang="en-US" sz="1600" noProof="1" smtClean="0">
+              <a:rPr lang="zh-CN" altLang="en-US" sz="1600" noProof="1">
                 <a:latin typeface="微软雅黑" panose="020B0503020204020204" pitchFamily="34" charset="-122"/>
                 <a:ea typeface="微软雅黑" panose="020B0503020204020204" pitchFamily="34" charset="-122"/>
               </a:rPr>
               <a:t>,test</a:t>
             </a:r>
             <a:r>
-              <a:rPr lang="en-US" altLang="zh-CN" sz="1600" noProof="1" smtClean="0">
+              <a:rPr lang="en-US" altLang="zh-CN" sz="1600" noProof="1">
                 <a:latin typeface="微软雅黑" panose="020B0503020204020204" pitchFamily="34" charset="-122"/>
                 <a:ea typeface="微软雅黑" panose="020B0503020204020204" pitchFamily="34" charset="-122"/>
               </a:rPr>
               <a:t>0003</a:t>
             </a:r>
             <a:r>
-              <a:rPr lang="zh-CN" altLang="en-US" sz="1600" noProof="1" smtClean="0">
-                <a:latin typeface="微软雅黑" panose="020B0503020204020204" pitchFamily="34" charset="-122"/>
-                <a:ea typeface="微软雅黑" panose="020B0503020204020204" pitchFamily="34" charset="-122"/>
-              </a:rPr>
-              <a:t>.</a:t>
-            </a:r>
-            <a:r>
               <a:rPr lang="zh-CN" altLang="en-US" sz="1600" noProof="1">
                 <a:latin typeface="微软雅黑" panose="020B0503020204020204" pitchFamily="34" charset="-122"/>
                 <a:ea typeface="微软雅黑" panose="020B0503020204020204" pitchFamily="34" charset="-122"/>
               </a:rPr>
-              <a:t>..。当用户登录并绑定该虚拟机后，会在虚拟机的名称后再追加其用户名，如test</a:t>
-            </a:r>
-            <a:r>
-              <a:rPr lang="zh-CN" altLang="en-US" sz="1600" noProof="1" smtClean="0">
-                <a:latin typeface="微软雅黑" panose="020B0503020204020204" pitchFamily="34" charset="-122"/>
-                <a:ea typeface="微软雅黑" panose="020B0503020204020204" pitchFamily="34" charset="-122"/>
-              </a:rPr>
-              <a:t>0</a:t>
-            </a:r>
-            <a:r>
-              <a:rPr lang="en-US" altLang="zh-CN" sz="1600" noProof="1" smtClean="0">
+              <a:t>...。当用户登录并绑定该虚拟机后，会在虚拟机的名称后再追加其用户名，如test0</a:t>
+            </a:r>
+            <a:r>
+              <a:rPr lang="en-US" altLang="zh-CN" sz="1600" noProof="1">
                 <a:latin typeface="微软雅黑" panose="020B0503020204020204" pitchFamily="34" charset="-122"/>
                 <a:ea typeface="微软雅黑" panose="020B0503020204020204" pitchFamily="34" charset="-122"/>
               </a:rPr>
               <a:t>001</a:t>
             </a:r>
             <a:r>
-              <a:rPr lang="zh-CN" altLang="en-US" sz="1600" noProof="1" smtClean="0">
-                <a:latin typeface="微软雅黑" panose="020B0503020204020204" pitchFamily="34" charset="-122"/>
-                <a:ea typeface="微软雅黑" panose="020B0503020204020204" pitchFamily="34" charset="-122"/>
-              </a:rPr>
-              <a:t>_</a:t>
-            </a:r>
-            <a:r>
               <a:rPr lang="zh-CN" altLang="en-US" sz="1600" noProof="1">
                 <a:latin typeface="微软雅黑" panose="020B0503020204020204" pitchFamily="34" charset="-122"/>
                 <a:ea typeface="微软雅黑" panose="020B0503020204020204" pitchFamily="34" charset="-122"/>
               </a:rPr>
-              <a:t>zhangsan。</a:t>
+              <a:t>_zhangsan。</a:t>
             </a:r>
           </a:p>
           <a:p>
@@ -19073,7 +18867,7 @@
         </p:blipFill>
         <p:spPr bwMode="auto">
           <a:xfrm>
-            <a:off x="4068763" y="3571875"/>
+            <a:off x="2291556" y="3070253"/>
             <a:ext cx="4560887" cy="2476500"/>
           </a:xfrm>
           <a:prstGeom prst="rect">
@@ -19441,7 +19235,7 @@
           <a:lstStyle/>
           <a:p>
             <a:r>
-              <a:rPr lang="zh-CN" altLang="en-US" sz="3200" b="1" dirty="0" smtClean="0">
+              <a:rPr lang="zh-CN" altLang="en-US" sz="3200" b="1" dirty="0">
                 <a:latin typeface="微软雅黑" panose="020B0503020204020204" pitchFamily="34" charset="-122"/>
                 <a:ea typeface="微软雅黑" panose="020B0503020204020204" pitchFamily="34" charset="-122"/>
               </a:rPr>
@@ -19600,7 +19394,7 @@
         </p:blipFill>
         <p:spPr bwMode="auto">
           <a:xfrm>
-            <a:off x="2987675" y="4365625"/>
+            <a:off x="3347864" y="3209926"/>
             <a:ext cx="3790950" cy="2457450"/>
           </a:xfrm>
           <a:prstGeom prst="rect">
@@ -19968,7 +19762,7 @@
           <a:lstStyle/>
           <a:p>
             <a:r>
-              <a:rPr lang="zh-CN" altLang="en-US" sz="3200" b="1" dirty="0" smtClean="0">
+              <a:rPr lang="zh-CN" altLang="en-US" sz="3200" b="1" dirty="0">
                 <a:latin typeface="微软雅黑" panose="020B0503020204020204" pitchFamily="34" charset="-122"/>
                 <a:ea typeface="微软雅黑" panose="020B0503020204020204" pitchFamily="34" charset="-122"/>
               </a:rPr>
@@ -20159,13 +19953,6 @@
   <p:clrMapOvr>
     <a:masterClrMapping/>
   </p:clrMapOvr>
-  <p:timing>
-    <p:tnLst>
-      <p:par>
-        <p:cTn id="1" dur="indefinite" restart="never" nodeType="tmRoot"/>
-      </p:par>
-    </p:tnLst>
-  </p:timing>
 </p:sld>
 </file>
 
@@ -20372,7 +20159,7 @@
           <a:lstStyle/>
           <a:p>
             <a:r>
-              <a:rPr lang="zh-CN" altLang="en-US" sz="3200" b="1" dirty="0" smtClean="0">
+              <a:rPr lang="zh-CN" altLang="en-US" sz="3200" b="1" dirty="0">
                 <a:latin typeface="微软雅黑" panose="020B0503020204020204" pitchFamily="34" charset="-122"/>
                 <a:ea typeface="微软雅黑" panose="020B0503020204020204" pitchFamily="34" charset="-122"/>
               </a:rPr>
@@ -20397,7 +20184,7 @@
           <a:lstStyle/>
           <a:p>
             <a:r>
-              <a:rPr lang="zh-CN" altLang="en-US" sz="2400" b="1" smtClean="0">
+              <a:rPr lang="zh-CN" altLang="en-US" sz="2400" b="1">
                 <a:latin typeface="微软雅黑" panose="020B0503020204020204" pitchFamily="34" charset="-122"/>
                 <a:ea typeface="微软雅黑" panose="020B0503020204020204" pitchFamily="34" charset="-122"/>
               </a:rPr>
@@ -20407,7 +20194,7 @@
           <a:p>
             <a:pPr lvl="1"/>
             <a:r>
-              <a:rPr lang="zh-CN" altLang="en-US" sz="2000" smtClean="0">
+              <a:rPr lang="zh-CN" altLang="en-US" sz="2000">
                 <a:latin typeface="微软雅黑" panose="020B0503020204020204" pitchFamily="34" charset="-122"/>
                 <a:ea typeface="微软雅黑" panose="020B0503020204020204" pitchFamily="34" charset="-122"/>
               </a:rPr>
@@ -20417,7 +20204,7 @@
           <a:p>
             <a:pPr lvl="1"/>
             <a:r>
-              <a:rPr lang="zh-CN" altLang="en-US" sz="2000" smtClean="0">
+              <a:rPr lang="zh-CN" altLang="en-US" sz="2000">
                 <a:latin typeface="微软雅黑" panose="020B0503020204020204" pitchFamily="34" charset="-122"/>
                 <a:ea typeface="微软雅黑" panose="020B0503020204020204" pitchFamily="34" charset="-122"/>
               </a:rPr>
@@ -20427,7 +20214,7 @@
           <a:p>
             <a:pPr lvl="1"/>
             <a:r>
-              <a:rPr lang="zh-CN" altLang="en-US" sz="2000" smtClean="0">
+              <a:rPr lang="zh-CN" altLang="en-US" sz="2000">
                 <a:latin typeface="微软雅黑" panose="020B0503020204020204" pitchFamily="34" charset="-122"/>
                 <a:ea typeface="微软雅黑" panose="020B0503020204020204" pitchFamily="34" charset="-122"/>
               </a:rPr>
@@ -20437,7 +20224,7 @@
           <a:p>
             <a:pPr lvl="1"/>
             <a:r>
-              <a:rPr lang="zh-CN" altLang="en-US" sz="2000" smtClean="0">
+              <a:rPr lang="zh-CN" altLang="en-US" sz="2000">
                 <a:latin typeface="微软雅黑" panose="020B0503020204020204" pitchFamily="34" charset="-122"/>
                 <a:ea typeface="微软雅黑" panose="020B0503020204020204" pitchFamily="34" charset="-122"/>
               </a:rPr>
@@ -20623,14 +20410,14 @@
           </a:ln>
           <a:extLst>
             <a:ext uri="{909E8E84-426E-40dd-AFC4-6F175D3DCCD1}">
-              <a14:hiddenFill xmlns="" xmlns:a14="http://schemas.microsoft.com/office/drawing/2010/main">
+              <a14:hiddenFill xmlns:a14="http://schemas.microsoft.com/office/drawing/2010/main" xmlns="">
                 <a:solidFill>
                   <a:srgbClr val="FFFFFF"/>
                 </a:solidFill>
               </a14:hiddenFill>
             </a:ext>
             <a:ext uri="{91240B29-F687-4f45-9708-019B960494DF}">
-              <a14:hiddenLine xmlns="" xmlns:a14="http://schemas.microsoft.com/office/drawing/2010/main" w="9525">
+              <a14:hiddenLine xmlns:a14="http://schemas.microsoft.com/office/drawing/2010/main" xmlns="" w="9525">
                 <a:solidFill>
                   <a:srgbClr val="000000"/>
                 </a:solidFill>
@@ -20828,13 +20615,6 @@
   <p:clrMapOvr>
     <a:masterClrMapping/>
   </p:clrMapOvr>
-  <p:timing>
-    <p:tnLst>
-      <p:par>
-        <p:cTn id="1" dur="indefinite" restart="never" nodeType="tmRoot"/>
-      </p:par>
-    </p:tnLst>
-  </p:timing>
 </p:sld>
 </file>
 
@@ -21041,7 +20821,7 @@
           <a:lstStyle/>
           <a:p>
             <a:r>
-              <a:rPr lang="zh-CN" altLang="en-US" sz="3200" b="1" dirty="0" smtClean="0">
+              <a:rPr lang="zh-CN" altLang="en-US" sz="3200" b="1" dirty="0">
                 <a:latin typeface="微软雅黑" panose="020B0503020204020204" pitchFamily="34" charset="-122"/>
                 <a:ea typeface="微软雅黑" panose="020B0503020204020204" pitchFamily="34" charset="-122"/>
               </a:rPr>
@@ -21250,13 +21030,6 @@
   <p:clrMapOvr>
     <a:masterClrMapping/>
   </p:clrMapOvr>
-  <p:timing>
-    <p:tnLst>
-      <p:par>
-        <p:cTn id="1" dur="indefinite" restart="never" nodeType="tmRoot"/>
-      </p:par>
-    </p:tnLst>
-  </p:timing>
 </p:sld>
 </file>
 
@@ -21463,7 +21236,7 @@
           <a:lstStyle/>
           <a:p>
             <a:r>
-              <a:rPr lang="zh-CN" altLang="en-US" sz="3200" b="1" dirty="0" smtClean="0">
+              <a:rPr lang="zh-CN" altLang="en-US" sz="3200" b="1" dirty="0">
                 <a:latin typeface="微软雅黑" panose="020B0503020204020204" pitchFamily="34" charset="-122"/>
                 <a:ea typeface="微软雅黑" panose="020B0503020204020204" pitchFamily="34" charset="-122"/>
               </a:rPr>
@@ -21488,7 +21261,7 @@
           <a:lstStyle/>
           <a:p>
             <a:r>
-              <a:rPr lang="zh-CN" altLang="en-US" sz="2400" b="1" smtClean="0">
+              <a:rPr lang="zh-CN" altLang="en-US" sz="2400" b="1">
                 <a:latin typeface="微软雅黑" panose="020B0503020204020204" pitchFamily="34" charset="-122"/>
                 <a:ea typeface="微软雅黑" panose="020B0503020204020204" pitchFamily="34" charset="-122"/>
               </a:rPr>
@@ -21500,7 +21273,7 @@
               <a:buFont typeface="Arial" panose="020B0604020202020204" pitchFamily="34" charset="0"/>
               <a:buNone/>
             </a:pPr>
-            <a:endParaRPr lang="en-US" altLang="zh-CN" sz="2000" smtClean="0">
+            <a:endParaRPr lang="en-US" altLang="zh-CN" sz="2000">
               <a:latin typeface="微软雅黑" panose="020B0503020204020204" pitchFamily="34" charset="-122"/>
               <a:ea typeface="微软雅黑" panose="020B0503020204020204" pitchFamily="34" charset="-122"/>
             </a:endParaRPr>
@@ -22046,7 +21819,7 @@
           <a:lstStyle/>
           <a:p>
             <a:r>
-              <a:rPr lang="zh-CN" altLang="en-US" sz="3200" b="1" dirty="0" smtClean="0">
+              <a:rPr lang="zh-CN" altLang="en-US" sz="3200" b="1" dirty="0">
                 <a:latin typeface="微软雅黑" panose="020B0503020204020204" pitchFamily="34" charset="-122"/>
                 <a:ea typeface="微软雅黑" panose="020B0503020204020204" pitchFamily="34" charset="-122"/>
               </a:rPr>
@@ -22071,7 +21844,7 @@
           <a:lstStyle/>
           <a:p>
             <a:r>
-              <a:rPr lang="zh-CN" altLang="en-US" sz="2400" b="1" smtClean="0">
+              <a:rPr lang="zh-CN" altLang="en-US" sz="2400" b="1">
                 <a:latin typeface="微软雅黑" panose="020B0503020204020204" pitchFamily="34" charset="-122"/>
                 <a:ea typeface="微软雅黑" panose="020B0503020204020204" pitchFamily="34" charset="-122"/>
               </a:rPr>
@@ -22081,7 +21854,7 @@
           <a:p>
             <a:pPr lvl="1"/>
             <a:r>
-              <a:rPr lang="zh-CN" altLang="en-US" sz="2000" smtClean="0">
+              <a:rPr lang="zh-CN" altLang="en-US" sz="2000">
                 <a:latin typeface="微软雅黑" panose="020B0503020204020204" pitchFamily="34" charset="-122"/>
                 <a:ea typeface="微软雅黑" panose="020B0503020204020204" pitchFamily="34" charset="-122"/>
               </a:rPr>
@@ -22091,7 +21864,7 @@
           <a:p>
             <a:pPr lvl="1"/>
             <a:r>
-              <a:rPr lang="zh-CN" altLang="en-US" sz="2000" smtClean="0">
+              <a:rPr lang="zh-CN" altLang="en-US" sz="2000">
                 <a:latin typeface="微软雅黑" panose="020B0503020204020204" pitchFamily="34" charset="-122"/>
                 <a:ea typeface="微软雅黑" panose="020B0503020204020204" pitchFamily="34" charset="-122"/>
               </a:rPr>
@@ -22101,7 +21874,7 @@
           <a:p>
             <a:pPr lvl="1"/>
             <a:r>
-              <a:rPr lang="zh-CN" altLang="en-US" sz="2000" smtClean="0">
+              <a:rPr lang="zh-CN" altLang="en-US" sz="2000">
                 <a:latin typeface="微软雅黑" panose="020B0503020204020204" pitchFamily="34" charset="-122"/>
                 <a:ea typeface="微软雅黑" panose="020B0503020204020204" pitchFamily="34" charset="-122"/>
               </a:rPr>
@@ -22111,7 +21884,7 @@
           <a:p>
             <a:pPr lvl="1"/>
             <a:r>
-              <a:rPr lang="zh-CN" altLang="en-US" sz="2000" smtClean="0">
+              <a:rPr lang="zh-CN" altLang="en-US" sz="2000">
                 <a:latin typeface="微软雅黑" panose="020B0503020204020204" pitchFamily="34" charset="-122"/>
                 <a:ea typeface="微软雅黑" panose="020B0503020204020204" pitchFamily="34" charset="-122"/>
               </a:rPr>
@@ -22411,7 +22184,7 @@
           <a:lstStyle/>
           <a:p>
             <a:r>
-              <a:rPr lang="zh-CN" altLang="en-US" sz="3200" b="1" dirty="0" smtClean="0">
+              <a:rPr lang="zh-CN" altLang="en-US" sz="3200" b="1" dirty="0">
                 <a:latin typeface="微软雅黑" panose="020B0503020204020204" pitchFamily="34" charset="-122"/>
                 <a:ea typeface="微软雅黑" panose="020B0503020204020204" pitchFamily="34" charset="-122"/>
               </a:rPr>
@@ -22587,7 +22360,7 @@
         </p:blipFill>
         <p:spPr bwMode="auto">
           <a:xfrm>
-            <a:off x="3033713" y="1239838"/>
+            <a:off x="3442023" y="1919288"/>
             <a:ext cx="4391025" cy="5038725"/>
           </a:xfrm>
           <a:prstGeom prst="rect">
@@ -23229,7 +23002,7 @@
           <a:lstStyle/>
           <a:p>
             <a:r>
-              <a:rPr lang="en-US" altLang="zh-CN" sz="1400" dirty="0" smtClean="0">
+              <a:rPr lang="en-US" altLang="zh-CN" sz="1400" dirty="0">
                 <a:solidFill>
                   <a:srgbClr val="A5A5A5"/>
                 </a:solidFill>
@@ -23240,7 +23013,7 @@
               <a:t>VDC</a:t>
             </a:r>
             <a:r>
-              <a:rPr lang="zh-CN" altLang="en-US" sz="1400" dirty="0" smtClean="0">
+              <a:rPr lang="zh-CN" altLang="en-US" sz="1400" dirty="0">
                 <a:solidFill>
                   <a:srgbClr val="A5A5A5"/>
                 </a:solidFill>
@@ -23301,7 +23074,7 @@
           <a:lstStyle/>
           <a:p>
             <a:r>
-              <a:rPr lang="zh-CN" altLang="en-US" sz="1400" dirty="0" smtClean="0">
+              <a:rPr lang="zh-CN" altLang="en-US" sz="1400" dirty="0">
                 <a:solidFill>
                   <a:srgbClr val="A5A5A5"/>
                 </a:solidFill>
@@ -23600,13 +23373,6 @@
   <p:clrMapOvr>
     <a:masterClrMapping/>
   </p:clrMapOvr>
-  <p:timing>
-    <p:tnLst>
-      <p:par>
-        <p:cTn id="1" dur="indefinite" restart="never" nodeType="tmRoot"/>
-      </p:par>
-    </p:tnLst>
-  </p:timing>
 </p:sld>
 </file>
 
@@ -23687,7 +23453,7 @@
         </p:nvSpPr>
         <p:spPr bwMode="auto">
           <a:xfrm>
-            <a:off x="698500" y="1890117"/>
+            <a:off x="442756" y="1890117"/>
             <a:ext cx="7747000" cy="3077766"/>
           </a:xfrm>
           <a:prstGeom prst="rect">
@@ -23699,14 +23465,14 @@
           </a:ln>
           <a:extLst>
             <a:ext uri="{909E8E84-426E-40dd-AFC4-6F175D3DCCD1}">
-              <a14:hiddenFill xmlns="" xmlns:a14="http://schemas.microsoft.com/office/drawing/2010/main">
+              <a14:hiddenFill xmlns:a14="http://schemas.microsoft.com/office/drawing/2010/main" xmlns="">
                 <a:solidFill>
                   <a:srgbClr val="FFFFFF"/>
                 </a:solidFill>
               </a14:hiddenFill>
             </a:ext>
             <a:ext uri="{91240B29-F687-4f45-9708-019B960494DF}">
-              <a14:hiddenLine xmlns="" xmlns:a14="http://schemas.microsoft.com/office/drawing/2010/main" w="9525">
+              <a14:hiddenLine xmlns:a14="http://schemas.microsoft.com/office/drawing/2010/main" xmlns="" w="9525">
                 <a:solidFill>
                   <a:srgbClr val="000000"/>
                 </a:solidFill>
@@ -23843,16 +23609,9 @@
                 <a:latin typeface="微软雅黑" panose="020B0503020204020204" pitchFamily="34" charset="-122"/>
                 <a:ea typeface="微软雅黑" panose="020B0503020204020204" pitchFamily="34" charset="-122"/>
               </a:rPr>
-              <a:t>用户认证和角色</a:t>
-            </a:r>
-            <a:r>
-              <a:rPr lang="zh-CN" altLang="en-US" sz="4400" dirty="0" smtClean="0">
-                <a:latin typeface="微软雅黑" panose="020B0503020204020204" pitchFamily="34" charset="-122"/>
-                <a:ea typeface="微软雅黑" panose="020B0503020204020204" pitchFamily="34" charset="-122"/>
-              </a:rPr>
-              <a:t>介绍</a:t>
-            </a:r>
-            <a:endParaRPr lang="en-US" altLang="zh-CN" sz="4400" dirty="0" smtClean="0">
+              <a:t>用户认证和角色介绍</a:t>
+            </a:r>
+            <a:endParaRPr lang="en-US" altLang="zh-CN" sz="4400" dirty="0">
               <a:latin typeface="微软雅黑" panose="020B0503020204020204" pitchFamily="34" charset="-122"/>
               <a:ea typeface="微软雅黑" panose="020B0503020204020204" pitchFamily="34" charset="-122"/>
             </a:endParaRPr>
@@ -23864,20 +23623,20 @@
               </a:lnSpc>
             </a:pPr>
             <a:r>
-              <a:rPr lang="en-US" altLang="zh-CN" sz="3600" dirty="0" smtClean="0">
+              <a:rPr lang="en-US" altLang="zh-CN" sz="3600" dirty="0">
                 <a:latin typeface="微软雅黑" panose="020B0503020204020204" pitchFamily="34" charset="-122"/>
                 <a:ea typeface="微软雅黑" panose="020B0503020204020204" pitchFamily="34" charset="-122"/>
               </a:rPr>
               <a:t>1</a:t>
             </a:r>
             <a:r>
-              <a:rPr lang="zh-CN" altLang="en-US" sz="3600" dirty="0" smtClean="0">
+              <a:rPr lang="zh-CN" altLang="en-US" sz="3600" dirty="0">
                 <a:latin typeface="微软雅黑" panose="020B0503020204020204" pitchFamily="34" charset="-122"/>
                 <a:ea typeface="微软雅黑" panose="020B0503020204020204" pitchFamily="34" charset="-122"/>
               </a:rPr>
               <a:t>、了解支持的认证方式</a:t>
             </a:r>
-            <a:endParaRPr lang="en-US" altLang="zh-CN" sz="3600" dirty="0" smtClean="0">
+            <a:endParaRPr lang="en-US" altLang="zh-CN" sz="3600" dirty="0">
               <a:latin typeface="微软雅黑" panose="020B0503020204020204" pitchFamily="34" charset="-122"/>
               <a:ea typeface="微软雅黑" panose="020B0503020204020204" pitchFamily="34" charset="-122"/>
             </a:endParaRPr>
@@ -23889,20 +23648,20 @@
               </a:lnSpc>
             </a:pPr>
             <a:r>
-              <a:rPr lang="en-US" altLang="zh-CN" sz="3600" dirty="0" smtClean="0">
+              <a:rPr lang="en-US" altLang="zh-CN" sz="3600" dirty="0">
                 <a:latin typeface="微软雅黑" panose="020B0503020204020204" pitchFamily="34" charset="-122"/>
                 <a:ea typeface="微软雅黑" panose="020B0503020204020204" pitchFamily="34" charset="-122"/>
               </a:rPr>
               <a:t>2</a:t>
             </a:r>
             <a:r>
-              <a:rPr lang="zh-CN" altLang="en-US" sz="3600" dirty="0" smtClean="0">
+              <a:rPr lang="zh-CN" altLang="en-US" sz="3600" dirty="0">
                 <a:latin typeface="微软雅黑" panose="020B0503020204020204" pitchFamily="34" charset="-122"/>
                 <a:ea typeface="微软雅黑" panose="020B0503020204020204" pitchFamily="34" charset="-122"/>
               </a:rPr>
               <a:t>、掌握角色的作用和配置</a:t>
             </a:r>
-            <a:endParaRPr lang="zh-CN" altLang="en-US" sz="3200" b="1" i="1" dirty="0" smtClean="0">
+            <a:endParaRPr lang="zh-CN" altLang="en-US" sz="3200" b="1" i="1" dirty="0">
               <a:latin typeface="微软雅黑" panose="020B0503020204020204" pitchFamily="34" charset="-122"/>
               <a:ea typeface="微软雅黑" panose="020B0503020204020204" pitchFamily="34" charset="-122"/>
               <a:sym typeface="Times New Roman" panose="02020603050405020304" pitchFamily="18" charset="0"/>
@@ -23930,13 +23689,6 @@
   <p:clrMapOvr>
     <a:masterClrMapping/>
   </p:clrMapOvr>
-  <p:timing>
-    <p:tnLst>
-      <p:par>
-        <p:cTn id="1" dur="indefinite" restart="never" nodeType="tmRoot"/>
-      </p:par>
-    </p:tnLst>
-  </p:timing>
 </p:sld>
 </file>
 
@@ -24143,7 +23895,7 @@
           <a:lstStyle/>
           <a:p>
             <a:r>
-              <a:rPr lang="zh-CN" altLang="en-US" sz="3200" b="1" dirty="0" smtClean="0">
+              <a:rPr lang="zh-CN" altLang="en-US" sz="3200" b="1" dirty="0">
                 <a:latin typeface="微软雅黑" panose="020B0503020204020204" pitchFamily="34" charset="-122"/>
                 <a:ea typeface="微软雅黑" panose="020B0503020204020204" pitchFamily="34" charset="-122"/>
               </a:rPr>
@@ -24335,13 +24087,6 @@
   <p:clrMapOvr>
     <a:masterClrMapping/>
   </p:clrMapOvr>
-  <p:timing>
-    <p:tnLst>
-      <p:par>
-        <p:cTn id="1" dur="indefinite" restart="never" nodeType="tmRoot"/>
-      </p:par>
-    </p:tnLst>
-  </p:timing>
 </p:sld>
 </file>
 
@@ -24383,7 +24128,7 @@
           <a:lstStyle/>
           <a:p>
             <a:r>
-              <a:rPr lang="zh-CN" altLang="en-US" sz="3200" b="1" dirty="0" smtClean="0">
+              <a:rPr lang="zh-CN" altLang="en-US" sz="3200" b="1" dirty="0">
                 <a:latin typeface="微软雅黑" panose="020B0503020204020204" pitchFamily="34" charset="-122"/>
                 <a:ea typeface="微软雅黑" panose="020B0503020204020204" pitchFamily="34" charset="-122"/>
               </a:rPr>
@@ -24408,7 +24153,7 @@
           <a:lstStyle/>
           <a:p>
             <a:r>
-              <a:rPr lang="zh-CN" altLang="en-US" sz="2400" b="1" smtClean="0">
+              <a:rPr lang="zh-CN" altLang="en-US" sz="2400" b="1">
                 <a:latin typeface="微软雅黑" panose="020B0503020204020204" pitchFamily="34" charset="-122"/>
                 <a:ea typeface="微软雅黑" panose="020B0503020204020204" pitchFamily="34" charset="-122"/>
               </a:rPr>
@@ -24420,7 +24165,7 @@
               <a:buFont typeface="Arial" panose="020B0604020202020204" pitchFamily="34" charset="0"/>
               <a:buNone/>
             </a:pPr>
-            <a:endParaRPr lang="en-US" altLang="zh-CN" sz="2000" smtClean="0">
+            <a:endParaRPr lang="en-US" altLang="zh-CN" sz="2000">
               <a:latin typeface="微软雅黑" panose="020B0503020204020204" pitchFamily="34" charset="-122"/>
               <a:ea typeface="微软雅黑" panose="020B0503020204020204" pitchFamily="34" charset="-122"/>
             </a:endParaRPr>
@@ -26029,7 +25774,7 @@
           <a:lstStyle/>
           <a:p>
             <a:r>
-              <a:rPr lang="zh-CN" altLang="en-US" sz="3200" b="1" dirty="0" smtClean="0">
+              <a:rPr lang="zh-CN" altLang="en-US" sz="3200" b="1" dirty="0">
                 <a:latin typeface="微软雅黑" panose="020B0503020204020204" pitchFamily="34" charset="-122"/>
                 <a:ea typeface="微软雅黑" panose="020B0503020204020204" pitchFamily="34" charset="-122"/>
               </a:rPr>
@@ -26054,7 +25799,7 @@
           <a:lstStyle/>
           <a:p>
             <a:r>
-              <a:rPr lang="zh-CN" altLang="en-US" sz="2400" b="1" smtClean="0">
+              <a:rPr lang="zh-CN" altLang="en-US" sz="2400" b="1">
                 <a:latin typeface="微软雅黑" panose="020B0503020204020204" pitchFamily="34" charset="-122"/>
                 <a:ea typeface="微软雅黑" panose="020B0503020204020204" pitchFamily="34" charset="-122"/>
               </a:rPr>
@@ -26066,7 +25811,7 @@
               <a:buFont typeface="Arial" panose="020B0604020202020204" pitchFamily="34" charset="0"/>
               <a:buNone/>
             </a:pPr>
-            <a:endParaRPr lang="en-US" altLang="zh-CN" sz="2000" smtClean="0">
+            <a:endParaRPr lang="en-US" altLang="zh-CN" sz="2000">
               <a:latin typeface="微软雅黑" panose="020B0503020204020204" pitchFamily="34" charset="-122"/>
               <a:ea typeface="微软雅黑" panose="020B0503020204020204" pitchFamily="34" charset="-122"/>
             </a:endParaRPr>
@@ -27800,7 +27545,7 @@
           <a:lstStyle/>
           <a:p>
             <a:r>
-              <a:rPr lang="zh-CN" altLang="en-US" sz="3200" b="1" dirty="0" smtClean="0">
+              <a:rPr lang="zh-CN" altLang="en-US" sz="3200" b="1" dirty="0">
                 <a:latin typeface="微软雅黑" panose="020B0503020204020204" pitchFamily="34" charset="-122"/>
                 <a:ea typeface="微软雅黑" panose="020B0503020204020204" pitchFamily="34" charset="-122"/>
               </a:rPr>
@@ -27921,13 +27666,6 @@
   <p:clrMapOvr>
     <a:masterClrMapping/>
   </p:clrMapOvr>
-  <p:timing>
-    <p:tnLst>
-      <p:par>
-        <p:cTn id="1" dur="indefinite" restart="never" nodeType="tmRoot"/>
-      </p:par>
-    </p:tnLst>
-  </p:timing>
 </p:sld>
 </file>
 
@@ -28134,21 +27872,21 @@
           <a:lstStyle/>
           <a:p>
             <a:r>
-              <a:rPr lang="zh-CN" altLang="en-US" sz="3200" b="1" dirty="0" smtClean="0">
+              <a:rPr lang="zh-CN" altLang="en-US" sz="3200" b="1" dirty="0">
                 <a:latin typeface="微软雅黑" panose="020B0503020204020204" pitchFamily="34" charset="-122"/>
                 <a:ea typeface="微软雅黑" panose="020B0503020204020204" pitchFamily="34" charset="-122"/>
               </a:rPr>
               <a:t>软件</a:t>
             </a:r>
             <a:r>
-              <a:rPr lang="en-US" altLang="zh-CN" sz="3200" b="1" dirty="0" smtClean="0">
+              <a:rPr lang="en-US" altLang="zh-CN" sz="3200" b="1" dirty="0">
                 <a:latin typeface="微软雅黑" panose="020B0503020204020204" pitchFamily="34" charset="-122"/>
                 <a:ea typeface="微软雅黑" panose="020B0503020204020204" pitchFamily="34" charset="-122"/>
               </a:rPr>
               <a:t>VDC</a:t>
             </a:r>
             <a:r>
-              <a:rPr lang="zh-CN" altLang="en-US" sz="3200" b="1" dirty="0" smtClean="0">
+              <a:rPr lang="zh-CN" altLang="en-US" sz="3200" b="1" dirty="0">
                 <a:latin typeface="微软雅黑" panose="020B0503020204020204" pitchFamily="34" charset="-122"/>
                 <a:ea typeface="微软雅黑" panose="020B0503020204020204" pitchFamily="34" charset="-122"/>
               </a:rPr>
@@ -28230,13 +27968,6 @@
   <p:clrMapOvr>
     <a:masterClrMapping/>
   </p:clrMapOvr>
-  <p:timing>
-    <p:tnLst>
-      <p:par>
-        <p:cTn id="1" dur="indefinite" restart="never" nodeType="tmRoot"/>
-      </p:par>
-    </p:tnLst>
-  </p:timing>
 </p:sld>
 </file>
 
@@ -28443,7 +28174,7 @@
           <a:lstStyle/>
           <a:p>
             <a:r>
-              <a:rPr lang="zh-CN" altLang="en-US" sz="3200" b="1" dirty="0" smtClean="0">
+              <a:rPr lang="zh-CN" altLang="en-US" sz="3200" b="1" dirty="0">
                 <a:latin typeface="微软雅黑" panose="020B0503020204020204" pitchFamily="34" charset="-122"/>
                 <a:ea typeface="微软雅黑" panose="020B0503020204020204" pitchFamily="34" charset="-122"/>
               </a:rPr>
@@ -29100,7 +28831,7 @@
           <a:p>
             <a:pPr eaLnBrk="0" hangingPunct="0"/>
             <a:r>
-              <a:rPr lang="zh-CN" altLang="en-US" sz="1600" dirty="0" smtClean="0">
+              <a:rPr lang="zh-CN" altLang="en-US" sz="1600" dirty="0">
                 <a:solidFill>
                   <a:srgbClr val="FF0000"/>
                 </a:solidFill>
@@ -29108,18 +28839,7 @@
                 <a:ea typeface="微软雅黑" panose="020B0503020204020204" pitchFamily="34" charset="-122"/>
                 <a:sym typeface="Arial" panose="020B0604020202020204" pitchFamily="34" charset="0"/>
               </a:rPr>
-              <a:t>“同时使用”</a:t>
-            </a:r>
-            <a:r>
-              <a:rPr lang="zh-CN" altLang="en-US" sz="1600" dirty="0">
-                <a:solidFill>
-                  <a:srgbClr val="FF0000"/>
-                </a:solidFill>
-                <a:latin typeface="Times New Roman" panose="02020603050405020304" pitchFamily="18" charset="0"/>
-                <a:ea typeface="微软雅黑" panose="020B0503020204020204" pitchFamily="34" charset="-122"/>
-                <a:sym typeface="Arial" panose="020B0604020202020204" pitchFamily="34" charset="0"/>
-              </a:rPr>
-              <a:t>表示设置了多种主要认证方式时，所有认证都必须通过。“任意一种”表示其中一种主要认证方式通过即可。</a:t>
+              <a:t>“同时使用”表示设置了多种主要认证方式时，所有认证都必须通过。“任意一种”表示其中一种主要认证方式通过即可。</a:t>
             </a:r>
           </a:p>
           <a:p>
@@ -29689,7 +29409,7 @@
           <a:lstStyle/>
           <a:p>
             <a:r>
-              <a:rPr lang="zh-CN" altLang="en-US" sz="3200" b="1" dirty="0" smtClean="0">
+              <a:rPr lang="zh-CN" altLang="en-US" sz="3200" b="1" dirty="0">
                 <a:latin typeface="微软雅黑" panose="020B0503020204020204" pitchFamily="34" charset="-122"/>
                 <a:ea typeface="微软雅黑" panose="020B0503020204020204" pitchFamily="34" charset="-122"/>
               </a:rPr>
@@ -30295,7 +30015,7 @@
           <a:lstStyle/>
           <a:p>
             <a:r>
-              <a:rPr lang="zh-CN" altLang="en-US" sz="3200" b="1" dirty="0" smtClean="0">
+              <a:rPr lang="zh-CN" altLang="en-US" sz="3200" b="1" dirty="0">
                 <a:latin typeface="微软雅黑" panose="020B0503020204020204" pitchFamily="34" charset="-122"/>
                 <a:ea typeface="微软雅黑" panose="020B0503020204020204" pitchFamily="34" charset="-122"/>
               </a:rPr>
@@ -30388,13 +30108,6 @@
   <p:clrMapOvr>
     <a:masterClrMapping/>
   </p:clrMapOvr>
-  <p:timing>
-    <p:tnLst>
-      <p:par>
-        <p:cTn id="1" dur="indefinite" restart="never" nodeType="tmRoot"/>
-      </p:par>
-    </p:tnLst>
-  </p:timing>
 </p:sld>
 </file>
 
@@ -30601,14 +30314,14 @@
           <a:lstStyle/>
           <a:p>
             <a:r>
-              <a:rPr lang="en-US" altLang="zh-CN" sz="3200" b="1" dirty="0" smtClean="0">
+              <a:rPr lang="en-US" altLang="zh-CN" sz="3200" b="1" dirty="0">
                 <a:latin typeface="微软雅黑" panose="020B0503020204020204" pitchFamily="34" charset="-122"/>
                 <a:ea typeface="微软雅黑" panose="020B0503020204020204" pitchFamily="34" charset="-122"/>
               </a:rPr>
               <a:t>LDAP</a:t>
             </a:r>
             <a:r>
-              <a:rPr lang="zh-CN" altLang="en-US" sz="3200" b="1" dirty="0" smtClean="0">
+              <a:rPr lang="zh-CN" altLang="en-US" sz="3200" b="1" dirty="0">
                 <a:latin typeface="微软雅黑" panose="020B0503020204020204" pitchFamily="34" charset="-122"/>
                 <a:ea typeface="微软雅黑" panose="020B0503020204020204" pitchFamily="34" charset="-122"/>
               </a:rPr>
@@ -30633,7 +30346,7 @@
           <a:lstStyle/>
           <a:p>
             <a:r>
-              <a:rPr lang="en-US" altLang="zh-CN" sz="2000" smtClean="0">
+              <a:rPr lang="en-US" altLang="zh-CN" sz="2000">
                 <a:latin typeface="微软雅黑" panose="020B0503020204020204" pitchFamily="34" charset="-122"/>
                 <a:ea typeface="微软雅黑" panose="020B0503020204020204" pitchFamily="34" charset="-122"/>
               </a:rPr>
@@ -30642,7 +30355,7 @@
           </a:p>
           <a:p>
             <a:r>
-              <a:rPr lang="en-US" altLang="zh-CN" sz="2000" smtClean="0">
+              <a:rPr lang="en-US" altLang="zh-CN" sz="2000">
                 <a:latin typeface="微软雅黑" panose="020B0503020204020204" pitchFamily="34" charset="-122"/>
                 <a:ea typeface="微软雅黑" panose="020B0503020204020204" pitchFamily="34" charset="-122"/>
               </a:rPr>
@@ -30654,7 +30367,7 @@
               <a:buFont typeface="Arial" panose="020B0604020202020204" pitchFamily="34" charset="0"/>
               <a:buNone/>
             </a:pPr>
-            <a:endParaRPr lang="en-US" altLang="zh-CN" sz="2000" smtClean="0">
+            <a:endParaRPr lang="en-US" altLang="zh-CN" sz="2000">
               <a:latin typeface="微软雅黑" panose="020B0503020204020204" pitchFamily="34" charset="-122"/>
               <a:ea typeface="微软雅黑" panose="020B0503020204020204" pitchFamily="34" charset="-122"/>
             </a:endParaRPr>
@@ -31052,14 +30765,14 @@
           <a:lstStyle/>
           <a:p>
             <a:r>
-              <a:rPr lang="en-US" altLang="zh-CN" sz="3200" b="1" dirty="0" smtClean="0">
+              <a:rPr lang="en-US" altLang="zh-CN" sz="3200" b="1" dirty="0">
                 <a:latin typeface="微软雅黑" panose="020B0503020204020204" pitchFamily="34" charset="-122"/>
                 <a:ea typeface="微软雅黑" panose="020B0503020204020204" pitchFamily="34" charset="-122"/>
               </a:rPr>
               <a:t>LDAP</a:t>
             </a:r>
             <a:r>
-              <a:rPr lang="zh-CN" altLang="en-US" sz="3200" b="1" dirty="0" smtClean="0">
+              <a:rPr lang="zh-CN" altLang="en-US" sz="3200" b="1" dirty="0">
                 <a:latin typeface="微软雅黑" panose="020B0503020204020204" pitchFamily="34" charset="-122"/>
                 <a:ea typeface="微软雅黑" panose="020B0503020204020204" pitchFamily="34" charset="-122"/>
               </a:rPr>
@@ -31187,13 +30900,6 @@
   <p:clrMapOvr>
     <a:masterClrMapping/>
   </p:clrMapOvr>
-  <p:timing>
-    <p:tnLst>
-      <p:par>
-        <p:cTn id="1" dur="indefinite" restart="never" nodeType="tmRoot"/>
-      </p:par>
-    </p:tnLst>
-  </p:timing>
 </p:sld>
 </file>
 
@@ -31400,14 +31106,14 @@
           <a:lstStyle/>
           <a:p>
             <a:r>
-              <a:rPr lang="en-US" altLang="zh-CN" sz="3200" b="1" dirty="0" smtClean="0">
+              <a:rPr lang="en-US" altLang="zh-CN" sz="3200" b="1" dirty="0">
                 <a:latin typeface="微软雅黑" panose="020B0503020204020204" pitchFamily="34" charset="-122"/>
                 <a:ea typeface="微软雅黑" panose="020B0503020204020204" pitchFamily="34" charset="-122"/>
               </a:rPr>
               <a:t>LDAP</a:t>
             </a:r>
             <a:r>
-              <a:rPr lang="zh-CN" altLang="en-US" sz="3200" b="1" dirty="0" smtClean="0">
+              <a:rPr lang="zh-CN" altLang="en-US" sz="3200" b="1" dirty="0">
                 <a:latin typeface="微软雅黑" panose="020B0503020204020204" pitchFamily="34" charset="-122"/>
                 <a:ea typeface="微软雅黑" panose="020B0503020204020204" pitchFamily="34" charset="-122"/>
               </a:rPr>
@@ -32152,14 +31858,14 @@
           <a:lstStyle/>
           <a:p>
             <a:r>
-              <a:rPr lang="en-US" altLang="zh-CN" sz="3200" b="1" dirty="0" smtClean="0">
+              <a:rPr lang="en-US" altLang="zh-CN" sz="3200" b="1" dirty="0">
                 <a:latin typeface="微软雅黑" panose="020B0503020204020204" pitchFamily="34" charset="-122"/>
                 <a:ea typeface="微软雅黑" panose="020B0503020204020204" pitchFamily="34" charset="-122"/>
               </a:rPr>
               <a:t>LDAP</a:t>
             </a:r>
             <a:r>
-              <a:rPr lang="zh-CN" altLang="en-US" sz="3200" b="1" dirty="0" smtClean="0">
+              <a:rPr lang="zh-CN" altLang="en-US" sz="3200" b="1" dirty="0">
                 <a:latin typeface="微软雅黑" panose="020B0503020204020204" pitchFamily="34" charset="-122"/>
                 <a:ea typeface="微软雅黑" panose="020B0503020204020204" pitchFamily="34" charset="-122"/>
               </a:rPr>
@@ -32257,13 +31963,6 @@
   <p:clrMapOvr>
     <a:masterClrMapping/>
   </p:clrMapOvr>
-  <p:timing>
-    <p:tnLst>
-      <p:par>
-        <p:cTn id="1" dur="indefinite" restart="never" nodeType="tmRoot"/>
-      </p:par>
-    </p:tnLst>
-  </p:timing>
 </p:sld>
 </file>
 
@@ -32470,7 +32169,7 @@
           <a:lstStyle/>
           <a:p>
             <a:r>
-              <a:rPr lang="zh-CN" altLang="en-US" sz="3200" b="1" dirty="0" smtClean="0">
+              <a:rPr lang="zh-CN" altLang="en-US" sz="3200" b="1" dirty="0">
                 <a:latin typeface="微软雅黑" panose="020B0503020204020204" pitchFamily="34" charset="-122"/>
                 <a:ea typeface="微软雅黑" panose="020B0503020204020204" pitchFamily="34" charset="-122"/>
               </a:rPr>
@@ -32598,13 +32297,6 @@
   <p:clrMapOvr>
     <a:masterClrMapping/>
   </p:clrMapOvr>
-  <p:timing>
-    <p:tnLst>
-      <p:par>
-        <p:cTn id="1" dur="indefinite" restart="never" nodeType="tmRoot"/>
-      </p:par>
-    </p:tnLst>
-  </p:timing>
 </p:sld>
 </file>
 
@@ -32811,7 +32503,7 @@
           <a:lstStyle/>
           <a:p>
             <a:r>
-              <a:rPr lang="zh-CN" altLang="en-US" sz="3200" b="1" dirty="0" smtClean="0">
+              <a:rPr lang="zh-CN" altLang="en-US" sz="3200" b="1" dirty="0">
                 <a:latin typeface="微软雅黑" panose="020B0503020204020204" pitchFamily="34" charset="-122"/>
                 <a:ea typeface="微软雅黑" panose="020B0503020204020204" pitchFamily="34" charset="-122"/>
               </a:rPr>
@@ -32939,13 +32631,6 @@
   <p:clrMapOvr>
     <a:masterClrMapping/>
   </p:clrMapOvr>
-  <p:timing>
-    <p:tnLst>
-      <p:par>
-        <p:cTn id="1" dur="indefinite" restart="never" nodeType="tmRoot"/>
-      </p:par>
-    </p:tnLst>
-  </p:timing>
 </p:sld>
 </file>
 
@@ -33152,7 +32837,7 @@
           <a:lstStyle/>
           <a:p>
             <a:r>
-              <a:rPr lang="zh-CN" altLang="en-US" sz="3200" b="1" dirty="0" smtClean="0">
+              <a:rPr lang="zh-CN" altLang="en-US" sz="3200" b="1" dirty="0">
                 <a:latin typeface="微软雅黑" panose="020B0503020204020204" pitchFamily="34" charset="-122"/>
                 <a:ea typeface="微软雅黑" panose="020B0503020204020204" pitchFamily="34" charset="-122"/>
               </a:rPr>
@@ -33263,13 +32948,6 @@
   <p:clrMapOvr>
     <a:masterClrMapping/>
   </p:clrMapOvr>
-  <p:timing>
-    <p:tnLst>
-      <p:par>
-        <p:cTn id="1" dur="indefinite" restart="never" nodeType="tmRoot"/>
-      </p:par>
-    </p:tnLst>
-  </p:timing>
 </p:sld>
 </file>
 
@@ -33476,21 +33154,21 @@
           <a:lstStyle/>
           <a:p>
             <a:r>
-              <a:rPr lang="zh-CN" altLang="en-US" sz="3200" b="1" dirty="0" smtClean="0">
+              <a:rPr lang="zh-CN" altLang="en-US" sz="3200" b="1" dirty="0">
                 <a:latin typeface="微软雅黑" panose="020B0503020204020204" pitchFamily="34" charset="-122"/>
                 <a:ea typeface="微软雅黑" panose="020B0503020204020204" pitchFamily="34" charset="-122"/>
               </a:rPr>
               <a:t>软件</a:t>
             </a:r>
             <a:r>
-              <a:rPr lang="en-US" altLang="zh-CN" sz="3200" b="1" dirty="0" smtClean="0">
+              <a:rPr lang="en-US" altLang="zh-CN" sz="3200" b="1" dirty="0">
                 <a:latin typeface="微软雅黑" panose="020B0503020204020204" pitchFamily="34" charset="-122"/>
                 <a:ea typeface="微软雅黑" panose="020B0503020204020204" pitchFamily="34" charset="-122"/>
               </a:rPr>
               <a:t>VDC</a:t>
             </a:r>
             <a:r>
-              <a:rPr lang="zh-CN" altLang="en-US" sz="3200" b="1" dirty="0" smtClean="0">
+              <a:rPr lang="zh-CN" altLang="en-US" sz="3200" b="1" dirty="0">
                 <a:latin typeface="微软雅黑" panose="020B0503020204020204" pitchFamily="34" charset="-122"/>
                 <a:ea typeface="微软雅黑" panose="020B0503020204020204" pitchFamily="34" charset="-122"/>
               </a:rPr>
@@ -33735,13 +33413,6 @@
   <p:clrMapOvr>
     <a:masterClrMapping/>
   </p:clrMapOvr>
-  <p:timing>
-    <p:tnLst>
-      <p:par>
-        <p:cTn id="1" dur="indefinite" restart="never" nodeType="tmRoot"/>
-      </p:par>
-    </p:tnLst>
-  </p:timing>
 </p:sld>
 </file>
 
@@ -33948,7 +33619,7 @@
           <a:lstStyle/>
           <a:p>
             <a:r>
-              <a:rPr lang="zh-CN" altLang="en-US" sz="3200" b="1" dirty="0" smtClean="0">
+              <a:rPr lang="zh-CN" altLang="en-US" sz="3200" b="1" dirty="0">
                 <a:latin typeface="微软雅黑" panose="020B0503020204020204" pitchFamily="34" charset="-122"/>
                 <a:ea typeface="微软雅黑" panose="020B0503020204020204" pitchFamily="34" charset="-122"/>
               </a:rPr>
@@ -33973,7 +33644,7 @@
           <a:lstStyle/>
           <a:p>
             <a:r>
-              <a:rPr lang="zh-CN" altLang="en-US" sz="2400" b="1" smtClean="0">
+              <a:rPr lang="zh-CN" altLang="en-US" sz="2400" b="1">
                 <a:latin typeface="微软雅黑" panose="020B0503020204020204" pitchFamily="34" charset="-122"/>
                 <a:ea typeface="微软雅黑" panose="020B0503020204020204" pitchFamily="34" charset="-122"/>
               </a:rPr>
@@ -33985,7 +33656,7 @@
               <a:buFont typeface="Arial" panose="020B0604020202020204" pitchFamily="34" charset="0"/>
               <a:buNone/>
             </a:pPr>
-            <a:endParaRPr lang="en-US" altLang="zh-CN" sz="2000" smtClean="0">
+            <a:endParaRPr lang="en-US" altLang="zh-CN" sz="2000">
               <a:latin typeface="微软雅黑" panose="020B0503020204020204" pitchFamily="34" charset="-122"/>
               <a:ea typeface="微软雅黑" panose="020B0503020204020204" pitchFamily="34" charset="-122"/>
             </a:endParaRPr>
@@ -34226,7 +33897,7 @@
           <a:lstStyle/>
           <a:p>
             <a:r>
-              <a:rPr lang="zh-CN" altLang="zh-CN" dirty="0" smtClean="0">
+              <a:rPr lang="zh-CN" altLang="zh-CN" dirty="0">
                 <a:latin typeface="微软雅黑" panose="020B0503020204020204" pitchFamily="34" charset="-122"/>
                 <a:ea typeface="微软雅黑" panose="020B0503020204020204" pitchFamily="34" charset="-122"/>
                 <a:sym typeface="微软雅黑" panose="020B0503020204020204" pitchFamily="34" charset="-122"/>
@@ -34532,13 +34203,6 @@
   <p:clrMapOvr>
     <a:masterClrMapping/>
   </p:clrMapOvr>
-  <p:timing>
-    <p:tnLst>
-      <p:par>
-        <p:cTn id="1" dur="indefinite" restart="never" nodeType="tmRoot"/>
-      </p:par>
-    </p:tnLst>
-  </p:timing>
 </p:sld>
 </file>
 
@@ -34650,7 +34314,7 @@
               <a:t>A1</a:t>
             </a:r>
             <a:r>
-              <a:rPr lang="zh-CN" altLang="en-US" sz="800" dirty="0" smtClean="0">
+              <a:rPr lang="zh-CN" altLang="en-US" sz="800" dirty="0">
                 <a:solidFill>
                   <a:schemeClr val="bg2">
                     <a:lumMod val="25000"/>
@@ -34747,7 +34411,7 @@
               <a:defRPr/>
             </a:pPr>
             <a:r>
-              <a:rPr lang="en-US" sz="800" dirty="0" err="1" smtClean="0">
+              <a:rPr lang="en-US" sz="800" dirty="0" err="1">
                 <a:solidFill>
                   <a:schemeClr val="bg2">
                     <a:lumMod val="25000"/>
@@ -34756,19 +34420,7 @@
                 <a:latin typeface="微软雅黑" pitchFamily="34" charset="-122"/>
                 <a:ea typeface="微软雅黑" pitchFamily="34" charset="-122"/>
               </a:rPr>
-              <a:t>market</a:t>
-            </a:r>
-            <a:r>
-              <a:rPr lang="en-US" sz="800" dirty="0" err="1">
-                <a:solidFill>
-                  <a:schemeClr val="bg2">
-                    <a:lumMod val="25000"/>
-                  </a:schemeClr>
-                </a:solidFill>
-                <a:latin typeface="微软雅黑" pitchFamily="34" charset="-122"/>
-                <a:ea typeface="微软雅黑" pitchFamily="34" charset="-122"/>
-              </a:rPr>
-              <a:t>@sangfor.com.cn</a:t>
+              <a:t>market@sangfor.com.cn</a:t>
             </a:r>
             <a:endParaRPr lang="zh-CN" altLang="en-US" sz="800" dirty="0">
               <a:solidFill>
@@ -34811,7 +34463,7 @@
               <a:defRPr/>
             </a:pPr>
             <a:r>
-              <a:rPr lang="en-US" altLang="zh-CN" sz="800" dirty="0" smtClean="0">
+              <a:rPr lang="en-US" altLang="zh-CN" sz="800" dirty="0">
                 <a:solidFill>
                   <a:schemeClr val="bg2">
                     <a:lumMod val="25000"/>
@@ -34822,15 +34474,6 @@
               </a:rPr>
               <a:t>www.sangfor.com.cn</a:t>
             </a:r>
-            <a:endParaRPr lang="en-US" altLang="zh-CN" sz="800" dirty="0">
-              <a:solidFill>
-                <a:schemeClr val="bg2">
-                  <a:lumMod val="25000"/>
-                </a:schemeClr>
-              </a:solidFill>
-              <a:latin typeface="微软雅黑" pitchFamily="34" charset="-122"/>
-              <a:ea typeface="微软雅黑" pitchFamily="34" charset="-122"/>
-            </a:endParaRPr>
           </a:p>
         </p:txBody>
       </p:sp>
@@ -34866,7 +34509,7 @@
           <a:noFill/>
           <a:extLst>
             <a:ext uri="{909E8E84-426E-40dd-AFC4-6F175D3DCCD1}">
-              <a14:hiddenFill xmlns="" xmlns:a14="http://schemas.microsoft.com/office/drawing/2010/main">
+              <a14:hiddenFill xmlns:a14="http://schemas.microsoft.com/office/drawing/2010/main" xmlns="">
                 <a:solidFill>
                   <a:srgbClr val="FFFFFF"/>
                 </a:solidFill>
@@ -34885,13 +34528,6 @@
   <p:clrMapOvr>
     <a:masterClrMapping/>
   </p:clrMapOvr>
-  <p:timing>
-    <p:tnLst>
-      <p:par>
-        <p:cTn id="1" dur="indefinite" restart="never" nodeType="tmRoot"/>
-      </p:par>
-    </p:tnLst>
-  </p:timing>
 </p:sld>
 </file>
 
@@ -35098,21 +34734,21 @@
           <a:lstStyle/>
           <a:p>
             <a:r>
-              <a:rPr lang="zh-CN" altLang="en-US" sz="3200" b="1" dirty="0" smtClean="0">
+              <a:rPr lang="zh-CN" altLang="en-US" sz="3200" b="1" dirty="0">
                 <a:latin typeface="微软雅黑" panose="020B0503020204020204" pitchFamily="34" charset="-122"/>
                 <a:ea typeface="微软雅黑" panose="020B0503020204020204" pitchFamily="34" charset="-122"/>
               </a:rPr>
               <a:t>软件</a:t>
             </a:r>
             <a:r>
-              <a:rPr lang="en-US" altLang="zh-CN" sz="3200" b="1" dirty="0" smtClean="0">
+              <a:rPr lang="en-US" altLang="zh-CN" sz="3200" b="1" dirty="0">
                 <a:latin typeface="微软雅黑" panose="020B0503020204020204" pitchFamily="34" charset="-122"/>
                 <a:ea typeface="微软雅黑" panose="020B0503020204020204" pitchFamily="34" charset="-122"/>
               </a:rPr>
               <a:t>VDC</a:t>
             </a:r>
             <a:r>
-              <a:rPr lang="zh-CN" altLang="en-US" sz="3200" b="1" dirty="0" smtClean="0">
+              <a:rPr lang="zh-CN" altLang="en-US" sz="3200" b="1" dirty="0">
                 <a:latin typeface="微软雅黑" panose="020B0503020204020204" pitchFamily="34" charset="-122"/>
                 <a:ea typeface="微软雅黑" panose="020B0503020204020204" pitchFamily="34" charset="-122"/>
               </a:rPr>
@@ -35298,7 +34934,7 @@
               <a:defRPr/>
             </a:pPr>
             <a:r>
-              <a:rPr lang="en-US" altLang="zh-CN" sz="1800" kern="0" dirty="0" smtClean="0">
+              <a:rPr lang="en-US" altLang="zh-CN" sz="1800" kern="0" dirty="0">
                 <a:latin typeface="微软雅黑" panose="020B0503020204020204" pitchFamily="34" charset="-122"/>
                 <a:ea typeface="微软雅黑" panose="020B0503020204020204" pitchFamily="34" charset="-122"/>
                 <a:sym typeface="+mn-ea"/>
@@ -35306,7 +34942,7 @@
               <a:t>4</a:t>
             </a:r>
             <a:r>
-              <a:rPr lang="zh-CN" altLang="en-US" sz="1800" kern="0" dirty="0" smtClean="0">
+              <a:rPr lang="zh-CN" altLang="en-US" sz="1800" kern="0" dirty="0">
                 <a:latin typeface="微软雅黑" panose="020B0503020204020204" pitchFamily="34" charset="-122"/>
                 <a:ea typeface="微软雅黑" panose="020B0503020204020204" pitchFamily="34" charset="-122"/>
                 <a:sym typeface="+mn-ea"/>
@@ -35314,7 +34950,7 @@
               <a:t>*</a:t>
             </a:r>
             <a:r>
-              <a:rPr lang="en-US" altLang="zh-CN" sz="1800" kern="0" dirty="0" smtClean="0">
+              <a:rPr lang="en-US" altLang="zh-CN" sz="1800" kern="0" dirty="0">
                 <a:latin typeface="微软雅黑" panose="020B0503020204020204" pitchFamily="34" charset="-122"/>
                 <a:ea typeface="微软雅黑" panose="020B0503020204020204" pitchFamily="34" charset="-122"/>
                 <a:sym typeface="+mn-ea"/>
@@ -35327,7 +34963,7 @@
               <a:defRPr/>
             </a:pPr>
             <a:r>
-              <a:rPr lang="zh-CN" altLang="en-US" sz="2100" kern="0" dirty="0" smtClean="0">
+              <a:rPr lang="zh-CN" altLang="en-US" sz="2100" kern="0" dirty="0">
                 <a:latin typeface="微软雅黑" panose="020B0503020204020204" pitchFamily="34" charset="-122"/>
                 <a:ea typeface="微软雅黑" panose="020B0503020204020204" pitchFamily="34" charset="-122"/>
                 <a:sym typeface="+mn-ea"/>
@@ -35340,7 +34976,7 @@
               <a:defRPr/>
             </a:pPr>
             <a:r>
-              <a:rPr lang="en-US" altLang="zh-CN" sz="1800" kern="0" dirty="0" smtClean="0">
+              <a:rPr lang="en-US" altLang="zh-CN" sz="1800" kern="0" dirty="0">
                 <a:latin typeface="微软雅黑" panose="020B0503020204020204" pitchFamily="34" charset="-122"/>
                 <a:ea typeface="微软雅黑" panose="020B0503020204020204" pitchFamily="34" charset="-122"/>
                 <a:sym typeface="+mn-ea"/>
@@ -35348,7 +34984,7 @@
               <a:t>CPU 2</a:t>
             </a:r>
             <a:r>
-              <a:rPr lang="zh-CN" altLang="en-US" sz="1800" kern="0" dirty="0" smtClean="0">
+              <a:rPr lang="zh-CN" altLang="en-US" sz="1800" kern="0" dirty="0">
                 <a:latin typeface="微软雅黑" panose="020B0503020204020204" pitchFamily="34" charset="-122"/>
                 <a:ea typeface="微软雅黑" panose="020B0503020204020204" pitchFamily="34" charset="-122"/>
                 <a:sym typeface="+mn-ea"/>
@@ -35356,7 +34992,7 @@
               <a:t>核</a:t>
             </a:r>
             <a:r>
-              <a:rPr lang="en-US" altLang="zh-CN" sz="1800" kern="0" dirty="0" smtClean="0">
+              <a:rPr lang="en-US" altLang="zh-CN" sz="1800" kern="0" dirty="0">
                 <a:latin typeface="微软雅黑" panose="020B0503020204020204" pitchFamily="34" charset="-122"/>
                 <a:ea typeface="微软雅黑" panose="020B0503020204020204" pitchFamily="34" charset="-122"/>
                 <a:sym typeface="+mn-ea"/>
@@ -35364,7 +35000,7 @@
               <a:t>/</a:t>
             </a:r>
             <a:r>
-              <a:rPr lang="zh-CN" altLang="en-US" sz="1800" kern="0" dirty="0" smtClean="0">
+              <a:rPr lang="zh-CN" altLang="en-US" sz="1800" kern="0" dirty="0">
                 <a:latin typeface="微软雅黑" panose="020B0503020204020204" pitchFamily="34" charset="-122"/>
                 <a:ea typeface="微软雅黑" panose="020B0503020204020204" pitchFamily="34" charset="-122"/>
                 <a:sym typeface="+mn-ea"/>
@@ -35372,14 +35008,14 @@
               <a:t>内存 </a:t>
             </a:r>
             <a:r>
-              <a:rPr lang="en-US" altLang="zh-CN" sz="1800" kern="0" dirty="0" smtClean="0">
+              <a:rPr lang="en-US" altLang="zh-CN" sz="1800" kern="0" dirty="0">
                 <a:latin typeface="微软雅黑" panose="020B0503020204020204" pitchFamily="34" charset="-122"/>
                 <a:ea typeface="微软雅黑" panose="020B0503020204020204" pitchFamily="34" charset="-122"/>
                 <a:sym typeface="+mn-ea"/>
               </a:rPr>
               <a:t>2GB/</a:t>
             </a:r>
-            <a:endParaRPr lang="en-US" altLang="zh-CN" sz="1800" kern="0" dirty="0" smtClean="0">
+            <a:endParaRPr lang="en-US" altLang="zh-CN" sz="1800" kern="0" dirty="0">
               <a:latin typeface="微软雅黑" panose="020B0503020204020204" pitchFamily="34" charset="-122"/>
               <a:ea typeface="微软雅黑" panose="020B0503020204020204" pitchFamily="34" charset="-122"/>
             </a:endParaRPr>
@@ -35388,7 +35024,7 @@
             <a:pPr lvl="2">
               <a:defRPr/>
             </a:pPr>
-            <a:endParaRPr lang="zh-CN" altLang="en-US" sz="1800" kern="0" dirty="0" smtClean="0">
+            <a:endParaRPr lang="zh-CN" altLang="en-US" sz="1800" kern="0" dirty="0">
               <a:latin typeface="微软雅黑" panose="020B0503020204020204" pitchFamily="34" charset="-122"/>
               <a:ea typeface="微软雅黑" panose="020B0503020204020204" pitchFamily="34" charset="-122"/>
               <a:sym typeface="+mn-ea"/>
@@ -35435,13 +35071,6 @@
   <p:clrMapOvr>
     <a:masterClrMapping/>
   </p:clrMapOvr>
-  <p:timing>
-    <p:tnLst>
-      <p:par>
-        <p:cTn id="1" dur="indefinite" restart="never" nodeType="tmRoot"/>
-      </p:par>
-    </p:tnLst>
-  </p:timing>
 </p:sld>
 </file>
 
@@ -35648,21 +35277,21 @@
           <a:lstStyle/>
           <a:p>
             <a:r>
-              <a:rPr lang="zh-CN" altLang="en-US" sz="3200" b="1" dirty="0" smtClean="0">
+              <a:rPr lang="zh-CN" altLang="en-US" sz="3200" b="1" dirty="0">
                 <a:latin typeface="微软雅黑" panose="020B0503020204020204" pitchFamily="34" charset="-122"/>
                 <a:ea typeface="微软雅黑" panose="020B0503020204020204" pitchFamily="34" charset="-122"/>
               </a:rPr>
               <a:t>软件</a:t>
             </a:r>
             <a:r>
-              <a:rPr lang="en-US" altLang="zh-CN" sz="3200" b="1" dirty="0" smtClean="0">
+              <a:rPr lang="en-US" altLang="zh-CN" sz="3200" b="1" dirty="0">
                 <a:latin typeface="微软雅黑" panose="020B0503020204020204" pitchFamily="34" charset="-122"/>
                 <a:ea typeface="微软雅黑" panose="020B0503020204020204" pitchFamily="34" charset="-122"/>
               </a:rPr>
               <a:t>VDC</a:t>
             </a:r>
             <a:r>
-              <a:rPr lang="zh-CN" altLang="en-US" sz="3200" b="1" dirty="0" smtClean="0">
+              <a:rPr lang="zh-CN" altLang="en-US" sz="3200" b="1" dirty="0">
                 <a:latin typeface="微软雅黑" panose="020B0503020204020204" pitchFamily="34" charset="-122"/>
                 <a:ea typeface="微软雅黑" panose="020B0503020204020204" pitchFamily="34" charset="-122"/>
               </a:rPr>
@@ -35686,7 +35315,7 @@
           <a:bodyPr/>
           <a:lstStyle/>
           <a:p>
-            <a:endParaRPr lang="en-US" altLang="zh-CN" sz="2400" b="1" smtClean="0">
+            <a:endParaRPr lang="en-US" altLang="zh-CN" sz="2400" b="1">
               <a:latin typeface="微软雅黑" panose="020B0503020204020204" pitchFamily="34" charset="-122"/>
               <a:ea typeface="微软雅黑" panose="020B0503020204020204" pitchFamily="34" charset="-122"/>
             </a:endParaRPr>
@@ -35696,7 +35325,7 @@
               <a:buFont typeface="Arial" panose="020B0604020202020204" pitchFamily="34" charset="0"/>
               <a:buNone/>
             </a:pPr>
-            <a:endParaRPr lang="en-US" altLang="zh-CN" sz="2000" smtClean="0">
+            <a:endParaRPr lang="en-US" altLang="zh-CN" sz="2000">
               <a:latin typeface="微软雅黑" panose="020B0503020204020204" pitchFamily="34" charset="-122"/>
               <a:ea typeface="微软雅黑" panose="020B0503020204020204" pitchFamily="34" charset="-122"/>
             </a:endParaRPr>
@@ -36813,21 +36442,21 @@
           <a:lstStyle/>
           <a:p>
             <a:r>
-              <a:rPr lang="zh-CN" altLang="en-US" sz="3200" b="1" dirty="0" smtClean="0">
+              <a:rPr lang="zh-CN" altLang="en-US" sz="3200" b="1" dirty="0">
                 <a:latin typeface="微软雅黑" panose="020B0503020204020204" pitchFamily="34" charset="-122"/>
                 <a:ea typeface="微软雅黑" panose="020B0503020204020204" pitchFamily="34" charset="-122"/>
               </a:rPr>
               <a:t>软件</a:t>
             </a:r>
             <a:r>
-              <a:rPr lang="en-US" altLang="zh-CN" sz="3200" b="1" dirty="0" smtClean="0">
+              <a:rPr lang="en-US" altLang="zh-CN" sz="3200" b="1" dirty="0">
                 <a:latin typeface="微软雅黑" panose="020B0503020204020204" pitchFamily="34" charset="-122"/>
                 <a:ea typeface="微软雅黑" panose="020B0503020204020204" pitchFamily="34" charset="-122"/>
               </a:rPr>
               <a:t>VDC</a:t>
             </a:r>
             <a:r>
-              <a:rPr lang="zh-CN" altLang="en-US" sz="3200" b="1" dirty="0" smtClean="0">
+              <a:rPr lang="zh-CN" altLang="en-US" sz="3200" b="1" dirty="0">
                 <a:latin typeface="微软雅黑" panose="020B0503020204020204" pitchFamily="34" charset="-122"/>
                 <a:ea typeface="微软雅黑" panose="020B0503020204020204" pitchFamily="34" charset="-122"/>
               </a:rPr>
@@ -36885,23 +36514,19 @@
               <a:t>默认</a:t>
             </a:r>
             <a:r>
-              <a:rPr lang="en-US" altLang="zh-CN" sz="2000" noProof="1" smtClean="0">
+              <a:rPr lang="en-US" altLang="zh-CN" sz="2000" noProof="1">
                 <a:latin typeface="微软雅黑" panose="020B0503020204020204" pitchFamily="34" charset="-122"/>
                 <a:ea typeface="微软雅黑" panose="020B0503020204020204" pitchFamily="34" charset="-122"/>
               </a:rPr>
               <a:t>ip:</a:t>
             </a:r>
             <a:r>
-              <a:rPr lang="en-US" altLang="zh-CN" sz="1710" noProof="1" smtClean="0">
+              <a:rPr lang="en-US" altLang="zh-CN" sz="1710" noProof="1">
                 <a:latin typeface="微软雅黑" panose="020B0503020204020204" pitchFamily="34" charset="-122"/>
                 <a:ea typeface="微软雅黑" panose="020B0503020204020204" pitchFamily="34" charset="-122"/>
               </a:rPr>
               <a:t>10.254.254.254</a:t>
             </a:r>
-            <a:endParaRPr lang="en-US" altLang="zh-CN" sz="1710" noProof="1">
-              <a:latin typeface="微软雅黑" panose="020B0503020204020204" pitchFamily="34" charset="-122"/>
-              <a:ea typeface="微软雅黑" panose="020B0503020204020204" pitchFamily="34" charset="-122"/>
-            </a:endParaRPr>
           </a:p>
           <a:p>
             <a:pPr lvl="2">
@@ -37050,13 +36675,6 @@
   <p:clrMapOvr>
     <a:masterClrMapping/>
   </p:clrMapOvr>
-  <p:timing>
-    <p:tnLst>
-      <p:par>
-        <p:cTn id="1" dur="indefinite" restart="never" nodeType="tmRoot"/>
-      </p:par>
-    </p:tnLst>
-  </p:timing>
 </p:sld>
 </file>
 
